--- a/ppt/2 变量和类型.pptx
+++ b/ppt/2 变量和类型.pptx
@@ -5,10 +5,10 @@
     <p:sldMasterId id="2147483648" r:id="rId1"/>
   </p:sldMasterIdLst>
   <p:notesMasterIdLst>
-    <p:notesMasterId r:id="rId74"/>
+    <p:notesMasterId r:id="rId75"/>
   </p:notesMasterIdLst>
   <p:handoutMasterIdLst>
-    <p:handoutMasterId r:id="rId75"/>
+    <p:handoutMasterId r:id="rId76"/>
   </p:handoutMasterIdLst>
   <p:sldIdLst>
     <p:sldId id="256" r:id="rId2"/>
@@ -37,52 +37,53 @@
     <p:sldId id="444" r:id="rId25"/>
     <p:sldId id="445" r:id="rId26"/>
     <p:sldId id="446" r:id="rId27"/>
-    <p:sldId id="447" r:id="rId28"/>
-    <p:sldId id="448" r:id="rId29"/>
-    <p:sldId id="501" r:id="rId30"/>
-    <p:sldId id="504" r:id="rId31"/>
-    <p:sldId id="505" r:id="rId32"/>
-    <p:sldId id="506" r:id="rId33"/>
-    <p:sldId id="507" r:id="rId34"/>
-    <p:sldId id="508" r:id="rId35"/>
-    <p:sldId id="509" r:id="rId36"/>
-    <p:sldId id="511" r:id="rId37"/>
-    <p:sldId id="512" r:id="rId38"/>
-    <p:sldId id="510" r:id="rId39"/>
-    <p:sldId id="503" r:id="rId40"/>
-    <p:sldId id="517" r:id="rId41"/>
-    <p:sldId id="519" r:id="rId42"/>
-    <p:sldId id="299" r:id="rId43"/>
-    <p:sldId id="520" r:id="rId44"/>
-    <p:sldId id="474" r:id="rId45"/>
-    <p:sldId id="479" r:id="rId46"/>
-    <p:sldId id="477" r:id="rId47"/>
-    <p:sldId id="502" r:id="rId48"/>
-    <p:sldId id="480" r:id="rId49"/>
-    <p:sldId id="482" r:id="rId50"/>
-    <p:sldId id="475" r:id="rId51"/>
-    <p:sldId id="524" r:id="rId52"/>
-    <p:sldId id="513" r:id="rId53"/>
-    <p:sldId id="497" r:id="rId54"/>
-    <p:sldId id="514" r:id="rId55"/>
-    <p:sldId id="500" r:id="rId56"/>
-    <p:sldId id="515" r:id="rId57"/>
-    <p:sldId id="525" r:id="rId58"/>
-    <p:sldId id="516" r:id="rId59"/>
-    <p:sldId id="522" r:id="rId60"/>
-    <p:sldId id="526" r:id="rId61"/>
-    <p:sldId id="527" r:id="rId62"/>
-    <p:sldId id="528" r:id="rId63"/>
-    <p:sldId id="529" r:id="rId64"/>
-    <p:sldId id="530" r:id="rId65"/>
-    <p:sldId id="534" r:id="rId66"/>
-    <p:sldId id="535" r:id="rId67"/>
-    <p:sldId id="536" r:id="rId68"/>
-    <p:sldId id="537" r:id="rId69"/>
-    <p:sldId id="473" r:id="rId70"/>
-    <p:sldId id="532" r:id="rId71"/>
-    <p:sldId id="531" r:id="rId72"/>
-    <p:sldId id="539" r:id="rId73"/>
+    <p:sldId id="541" r:id="rId28"/>
+    <p:sldId id="447" r:id="rId29"/>
+    <p:sldId id="448" r:id="rId30"/>
+    <p:sldId id="501" r:id="rId31"/>
+    <p:sldId id="504" r:id="rId32"/>
+    <p:sldId id="505" r:id="rId33"/>
+    <p:sldId id="506" r:id="rId34"/>
+    <p:sldId id="507" r:id="rId35"/>
+    <p:sldId id="508" r:id="rId36"/>
+    <p:sldId id="509" r:id="rId37"/>
+    <p:sldId id="511" r:id="rId38"/>
+    <p:sldId id="512" r:id="rId39"/>
+    <p:sldId id="510" r:id="rId40"/>
+    <p:sldId id="503" r:id="rId41"/>
+    <p:sldId id="517" r:id="rId42"/>
+    <p:sldId id="519" r:id="rId43"/>
+    <p:sldId id="299" r:id="rId44"/>
+    <p:sldId id="520" r:id="rId45"/>
+    <p:sldId id="474" r:id="rId46"/>
+    <p:sldId id="479" r:id="rId47"/>
+    <p:sldId id="477" r:id="rId48"/>
+    <p:sldId id="502" r:id="rId49"/>
+    <p:sldId id="480" r:id="rId50"/>
+    <p:sldId id="482" r:id="rId51"/>
+    <p:sldId id="475" r:id="rId52"/>
+    <p:sldId id="524" r:id="rId53"/>
+    <p:sldId id="513" r:id="rId54"/>
+    <p:sldId id="497" r:id="rId55"/>
+    <p:sldId id="514" r:id="rId56"/>
+    <p:sldId id="500" r:id="rId57"/>
+    <p:sldId id="515" r:id="rId58"/>
+    <p:sldId id="525" r:id="rId59"/>
+    <p:sldId id="516" r:id="rId60"/>
+    <p:sldId id="522" r:id="rId61"/>
+    <p:sldId id="526" r:id="rId62"/>
+    <p:sldId id="527" r:id="rId63"/>
+    <p:sldId id="528" r:id="rId64"/>
+    <p:sldId id="529" r:id="rId65"/>
+    <p:sldId id="530" r:id="rId66"/>
+    <p:sldId id="534" r:id="rId67"/>
+    <p:sldId id="535" r:id="rId68"/>
+    <p:sldId id="536" r:id="rId69"/>
+    <p:sldId id="537" r:id="rId70"/>
+    <p:sldId id="473" r:id="rId71"/>
+    <p:sldId id="532" r:id="rId72"/>
+    <p:sldId id="531" r:id="rId73"/>
+    <p:sldId id="539" r:id="rId74"/>
   </p:sldIdLst>
   <p:sldSz cx="12192000" cy="6858000"/>
   <p:notesSz cx="6858000" cy="9144000"/>
@@ -285,7 +286,7 @@
           <a:p>
             <a:fld id="{4D0109D1-EB02-4A0D-81D9-3BF5B8080922}" type="datetimeFigureOut">
               <a:rPr lang="zh-CN" altLang="en-US" smtClean="0"/>
-              <a:t>2020/3/4</a:t>
+              <a:t>2021/3/8</a:t>
             </a:fld>
             <a:endParaRPr lang="zh-CN" altLang="en-US"/>
           </a:p>
@@ -450,7 +451,7 @@
           <a:p>
             <a:fld id="{F26537E0-B6F7-4F30-B86B-4CA7244EDE51}" type="datetimeFigureOut">
               <a:rPr lang="zh-CN" altLang="en-US" smtClean="0"/>
-              <a:t>2020/3/4</a:t>
+              <a:t>2021/3/8</a:t>
             </a:fld>
             <a:endParaRPr lang="zh-CN" altLang="en-US"/>
           </a:p>
@@ -830,7 +831,7 @@
       </p:grpSpPr>
       <p:sp>
         <p:nvSpPr>
-          <p:cNvPr id="2" name="幻灯片图像占位符 1"/>
+          <p:cNvPr id="2" name="Slide Image Placeholder 1"/>
           <p:cNvSpPr>
             <a:spLocks noGrp="1" noRot="1" noChangeAspect="1"/>
           </p:cNvSpPr>
@@ -842,7 +843,7 @@
       </p:sp>
       <p:sp>
         <p:nvSpPr>
-          <p:cNvPr id="3" name="备注占位符 2"/>
+          <p:cNvPr id="3" name="Notes Placeholder 2"/>
           <p:cNvSpPr>
             <a:spLocks noGrp="1"/>
           </p:cNvSpPr>
@@ -856,29 +857,20 @@
           <a:lstStyle/>
           <a:p>
             <a:r>
-              <a:rPr lang="en-US" altLang="zh-CN" dirty="0"/>
-              <a:t>unsigned</a:t>
-            </a:r>
-            <a:r>
-              <a:rPr lang="en-US" altLang="zh-CN" baseline="0" dirty="0"/>
-              <a:t> </a:t>
-            </a:r>
-            <a:r>
-              <a:rPr lang="zh-CN" altLang="en-US" baseline="0" dirty="0"/>
-              <a:t>减法运算时，如果值是负数也被同样转换</a:t>
-            </a:r>
-            <a:endParaRPr lang="zh-CN" altLang="en-US" dirty="0"/>
+              <a:rPr lang="en-US" dirty="0"/>
+              <a:t>https://www.educative.io/edpresso/what-is-the-typeid-operator-in-cpp</a:t>
+            </a:r>
           </a:p>
         </p:txBody>
       </p:sp>
       <p:sp>
         <p:nvSpPr>
-          <p:cNvPr id="4" name="灯片编号占位符 3"/>
+          <p:cNvPr id="4" name="Slide Number Placeholder 3"/>
           <p:cNvSpPr>
             <a:spLocks noGrp="1"/>
           </p:cNvSpPr>
           <p:nvPr>
-            <p:ph type="sldNum" sz="quarter" idx="10"/>
+            <p:ph type="sldNum" sz="quarter" idx="5"/>
           </p:nvPr>
         </p:nvSpPr>
         <p:spPr/>
@@ -888,7 +880,7 @@
           <a:p>
             <a:fld id="{F390385D-F95C-4E89-B19C-4AA09430C76A}" type="slidenum">
               <a:rPr lang="zh-CN" altLang="en-US" smtClean="0"/>
-              <a:t>44</a:t>
+              <a:t>13</a:t>
             </a:fld>
             <a:endParaRPr lang="zh-CN" altLang="en-US"/>
           </a:p>
@@ -897,7 +889,7 @@
     </p:spTree>
     <p:extLst>
       <p:ext uri="{BB962C8B-B14F-4D97-AF65-F5344CB8AC3E}">
-        <p14:creationId xmlns:p14="http://schemas.microsoft.com/office/powerpoint/2010/main" val="1813957106"/>
+        <p14:creationId xmlns:p14="http://schemas.microsoft.com/office/powerpoint/2010/main" val="690672314"/>
       </p:ext>
     </p:extLst>
   </p:cSld>
@@ -1047,6 +1039,102 @@
           <a:bodyPr/>
           <a:lstStyle/>
           <a:p>
+            <a:r>
+              <a:rPr lang="en-US" altLang="zh-CN" dirty="0"/>
+              <a:t>unsigned</a:t>
+            </a:r>
+            <a:r>
+              <a:rPr lang="en-US" altLang="zh-CN" baseline="0" dirty="0"/>
+              <a:t> </a:t>
+            </a:r>
+            <a:r>
+              <a:rPr lang="zh-CN" altLang="en-US" baseline="0" dirty="0"/>
+              <a:t>减法运算时，如果值是负数也被同样转换</a:t>
+            </a:r>
+            <a:endParaRPr lang="zh-CN" altLang="en-US" dirty="0"/>
+          </a:p>
+        </p:txBody>
+      </p:sp>
+      <p:sp>
+        <p:nvSpPr>
+          <p:cNvPr id="4" name="灯片编号占位符 3"/>
+          <p:cNvSpPr>
+            <a:spLocks noGrp="1"/>
+          </p:cNvSpPr>
+          <p:nvPr>
+            <p:ph type="sldNum" sz="quarter" idx="10"/>
+          </p:nvPr>
+        </p:nvSpPr>
+        <p:spPr/>
+        <p:txBody>
+          <a:bodyPr/>
+          <a:lstStyle/>
+          <a:p>
+            <a:fld id="{F390385D-F95C-4E89-B19C-4AA09430C76A}" type="slidenum">
+              <a:rPr lang="zh-CN" altLang="en-US" smtClean="0"/>
+              <a:t>46</a:t>
+            </a:fld>
+            <a:endParaRPr lang="zh-CN" altLang="en-US"/>
+          </a:p>
+        </p:txBody>
+      </p:sp>
+    </p:spTree>
+    <p:extLst>
+      <p:ext uri="{BB962C8B-B14F-4D97-AF65-F5344CB8AC3E}">
+        <p14:creationId xmlns:p14="http://schemas.microsoft.com/office/powerpoint/2010/main" val="1813957106"/>
+      </p:ext>
+    </p:extLst>
+  </p:cSld>
+  <p:clrMapOvr>
+    <a:masterClrMapping/>
+  </p:clrMapOvr>
+</p:notes>
+</file>
+
+<file path=ppt/notesSlides/notesSlide5.xml><?xml version="1.0" encoding="utf-8"?>
+<p:notes xmlns:a="http://schemas.openxmlformats.org/drawingml/2006/main" xmlns:r="http://schemas.openxmlformats.org/officeDocument/2006/relationships" xmlns:p="http://schemas.openxmlformats.org/presentationml/2006/main">
+  <p:cSld>
+    <p:spTree>
+      <p:nvGrpSpPr>
+        <p:cNvPr id="1" name=""/>
+        <p:cNvGrpSpPr/>
+        <p:nvPr/>
+      </p:nvGrpSpPr>
+      <p:grpSpPr>
+        <a:xfrm>
+          <a:off x="0" y="0"/>
+          <a:ext cx="0" cy="0"/>
+          <a:chOff x="0" y="0"/>
+          <a:chExt cx="0" cy="0"/>
+        </a:xfrm>
+      </p:grpSpPr>
+      <p:sp>
+        <p:nvSpPr>
+          <p:cNvPr id="2" name="幻灯片图像占位符 1"/>
+          <p:cNvSpPr>
+            <a:spLocks noGrp="1" noRot="1" noChangeAspect="1"/>
+          </p:cNvSpPr>
+          <p:nvPr>
+            <p:ph type="sldImg"/>
+          </p:nvPr>
+        </p:nvSpPr>
+        <p:spPr/>
+      </p:sp>
+      <p:sp>
+        <p:nvSpPr>
+          <p:cNvPr id="3" name="备注占位符 2"/>
+          <p:cNvSpPr>
+            <a:spLocks noGrp="1"/>
+          </p:cNvSpPr>
+          <p:nvPr>
+            <p:ph type="body" idx="1"/>
+          </p:nvPr>
+        </p:nvSpPr>
+        <p:spPr/>
+        <p:txBody>
+          <a:bodyPr/>
+          <a:lstStyle/>
+          <a:p>
             <a:endParaRPr lang="zh-CN" altLang="en-US" dirty="0"/>
           </a:p>
         </p:txBody>
@@ -1068,7 +1156,7 @@
           <a:p>
             <a:fld id="{F390385D-F95C-4E89-B19C-4AA09430C76A}" type="slidenum">
               <a:rPr lang="zh-CN" altLang="en-US" smtClean="0"/>
-              <a:t>60</a:t>
+              <a:t>61</a:t>
             </a:fld>
             <a:endParaRPr lang="zh-CN" altLang="en-US"/>
           </a:p>
@@ -1222,7 +1310,7 @@
           <a:p>
             <a:fld id="{28F278B1-967A-472E-BA85-F595929CDA06}" type="datetimeFigureOut">
               <a:rPr lang="zh-CN" altLang="en-US" smtClean="0"/>
-              <a:t>2020/3/4</a:t>
+              <a:t>2021/3/8</a:t>
             </a:fld>
             <a:endParaRPr lang="zh-CN" altLang="en-US"/>
           </a:p>
@@ -1390,7 +1478,7 @@
           <a:p>
             <a:fld id="{28F278B1-967A-472E-BA85-F595929CDA06}" type="datetimeFigureOut">
               <a:rPr lang="zh-CN" altLang="en-US" smtClean="0"/>
-              <a:t>2020/3/4</a:t>
+              <a:t>2021/3/8</a:t>
             </a:fld>
             <a:endParaRPr lang="zh-CN" altLang="en-US"/>
           </a:p>
@@ -1568,7 +1656,7 @@
           <a:p>
             <a:fld id="{28F278B1-967A-472E-BA85-F595929CDA06}" type="datetimeFigureOut">
               <a:rPr lang="zh-CN" altLang="en-US" smtClean="0"/>
-              <a:t>2020/3/4</a:t>
+              <a:t>2021/3/8</a:t>
             </a:fld>
             <a:endParaRPr lang="zh-CN" altLang="en-US"/>
           </a:p>
@@ -1744,7 +1832,7 @@
           <a:p>
             <a:fld id="{28F278B1-967A-472E-BA85-F595929CDA06}" type="datetimeFigureOut">
               <a:rPr lang="zh-CN" altLang="en-US" smtClean="0"/>
-              <a:t>2020/3/4</a:t>
+              <a:t>2021/3/8</a:t>
             </a:fld>
             <a:endParaRPr lang="zh-CN" altLang="en-US"/>
           </a:p>
@@ -1989,7 +2077,7 @@
           <a:p>
             <a:fld id="{28F278B1-967A-472E-BA85-F595929CDA06}" type="datetimeFigureOut">
               <a:rPr lang="zh-CN" altLang="en-US" smtClean="0"/>
-              <a:t>2020/3/4</a:t>
+              <a:t>2021/3/8</a:t>
             </a:fld>
             <a:endParaRPr lang="zh-CN" altLang="en-US"/>
           </a:p>
@@ -2218,7 +2306,7 @@
           <a:p>
             <a:fld id="{28F278B1-967A-472E-BA85-F595929CDA06}" type="datetimeFigureOut">
               <a:rPr lang="zh-CN" altLang="en-US" smtClean="0"/>
-              <a:t>2020/3/4</a:t>
+              <a:t>2021/3/8</a:t>
             </a:fld>
             <a:endParaRPr lang="zh-CN" altLang="en-US"/>
           </a:p>
@@ -2582,7 +2670,7 @@
           <a:p>
             <a:fld id="{28F278B1-967A-472E-BA85-F595929CDA06}" type="datetimeFigureOut">
               <a:rPr lang="zh-CN" altLang="en-US" smtClean="0"/>
-              <a:t>2020/3/4</a:t>
+              <a:t>2021/3/8</a:t>
             </a:fld>
             <a:endParaRPr lang="zh-CN" altLang="en-US"/>
           </a:p>
@@ -2699,7 +2787,7 @@
           <a:p>
             <a:fld id="{28F278B1-967A-472E-BA85-F595929CDA06}" type="datetimeFigureOut">
               <a:rPr lang="zh-CN" altLang="en-US" smtClean="0"/>
-              <a:t>2020/3/4</a:t>
+              <a:t>2021/3/8</a:t>
             </a:fld>
             <a:endParaRPr lang="zh-CN" altLang="en-US"/>
           </a:p>
@@ -2794,7 +2882,7 @@
           <a:p>
             <a:fld id="{28F278B1-967A-472E-BA85-F595929CDA06}" type="datetimeFigureOut">
               <a:rPr lang="zh-CN" altLang="en-US" smtClean="0"/>
-              <a:t>2020/3/4</a:t>
+              <a:t>2021/3/8</a:t>
             </a:fld>
             <a:endParaRPr lang="zh-CN" altLang="en-US"/>
           </a:p>
@@ -3069,7 +3157,7 @@
           <a:p>
             <a:fld id="{28F278B1-967A-472E-BA85-F595929CDA06}" type="datetimeFigureOut">
               <a:rPr lang="zh-CN" altLang="en-US" smtClean="0"/>
-              <a:t>2020/3/4</a:t>
+              <a:t>2021/3/8</a:t>
             </a:fld>
             <a:endParaRPr lang="zh-CN" altLang="en-US"/>
           </a:p>
@@ -3321,7 +3409,7 @@
           <a:p>
             <a:fld id="{28F278B1-967A-472E-BA85-F595929CDA06}" type="datetimeFigureOut">
               <a:rPr lang="zh-CN" altLang="en-US" smtClean="0"/>
-              <a:t>2020/3/4</a:t>
+              <a:t>2021/3/8</a:t>
             </a:fld>
             <a:endParaRPr lang="zh-CN" altLang="en-US"/>
           </a:p>
@@ -3532,7 +3620,7 @@
           <a:p>
             <a:fld id="{28F278B1-967A-472E-BA85-F595929CDA06}" type="datetimeFigureOut">
               <a:rPr lang="zh-CN" altLang="en-US" smtClean="0"/>
-              <a:t>2020/3/4</a:t>
+              <a:t>2021/3/8</a:t>
             </a:fld>
             <a:endParaRPr lang="zh-CN" altLang="en-US"/>
           </a:p>
@@ -4547,12 +4635,14 @@
         </p:nvSpPr>
         <p:spPr>
           <a:xfrm>
-            <a:off x="838200" y="1690689"/>
-            <a:ext cx="10515600" cy="1665576"/>
+            <a:off x="838200" y="1522600"/>
+            <a:ext cx="10515600" cy="2316535"/>
           </a:xfrm>
         </p:spPr>
         <p:txBody>
-          <a:bodyPr/>
+          <a:bodyPr>
+            <a:normAutofit/>
+          </a:bodyPr>
           <a:lstStyle/>
           <a:p>
             <a:r>
@@ -4561,7 +4651,70 @@
             </a:r>
             <a:r>
               <a:rPr lang="zh-CN" altLang="zh-CN" dirty="0"/>
-              <a:t>运算符查询得到一个数据类型或变量的类型信息。通过返回类型信息对象的</a:t>
+              <a:t>运算符查询一个数据类型或</a:t>
+            </a:r>
+            <a:r>
+              <a:rPr lang="zh-CN" altLang="en-US" dirty="0"/>
+              <a:t>值</a:t>
+            </a:r>
+            <a:r>
+              <a:rPr lang="zh-CN" altLang="zh-CN" dirty="0"/>
+              <a:t>的类型信息。</a:t>
+            </a:r>
+            <a:r>
+              <a:rPr lang="zh-CN" altLang="en-US" dirty="0"/>
+              <a:t>返回一个</a:t>
+            </a:r>
+            <a:r>
+              <a:rPr lang="zh-CN" altLang="zh-CN" dirty="0"/>
+              <a:t>类型信息对象</a:t>
+            </a:r>
+            <a:r>
+              <a:rPr lang="en-US" altLang="zh-CN" dirty="0"/>
+              <a:t>(</a:t>
+            </a:r>
+            <a:r>
+              <a:rPr lang="en-US" dirty="0"/>
+              <a:t>const </a:t>
+            </a:r>
+            <a:r>
+              <a:rPr lang="en-US" b="1" dirty="0" err="1"/>
+              <a:t>type_info</a:t>
+            </a:r>
+            <a:r>
+              <a:rPr lang="zh-CN" altLang="en-US" dirty="0"/>
+              <a:t>对象</a:t>
+            </a:r>
+            <a:r>
+              <a:rPr lang="en-US" altLang="zh-CN" dirty="0"/>
+              <a:t>)</a:t>
+            </a:r>
+            <a:r>
+              <a:rPr lang="zh-CN" altLang="en-US" dirty="0"/>
+              <a:t>。</a:t>
+            </a:r>
+            <a:endParaRPr lang="en-US" altLang="zh-CN" dirty="0"/>
+          </a:p>
+          <a:p>
+            <a:r>
+              <a:rPr lang="zh-CN" altLang="zh-CN" dirty="0"/>
+              <a:t>通过</a:t>
+            </a:r>
+            <a:r>
+              <a:rPr lang="en-US" dirty="0"/>
+              <a:t>const </a:t>
+            </a:r>
+            <a:r>
+              <a:rPr lang="en-US" b="1" dirty="0" err="1"/>
+              <a:t>type_info</a:t>
+            </a:r>
+            <a:r>
+              <a:rPr lang="zh-CN" altLang="en-US" dirty="0"/>
+              <a:t>对象</a:t>
+            </a:r>
+            <a:r>
+              <a:rPr lang="zh-CN" altLang="zh-CN" dirty="0"/>
+              <a:t>的</a:t>
             </a:r>
             <a:r>
               <a:rPr lang="en-US" altLang="zh-CN" dirty="0"/>
@@ -4601,15 +4754,15 @@
           <p:nvPr/>
         </p:nvPicPr>
         <p:blipFill>
-          <a:blip r:embed="rId2"/>
+          <a:blip r:embed="rId3"/>
           <a:stretch>
             <a:fillRect/>
           </a:stretch>
         </p:blipFill>
         <p:spPr>
           <a:xfrm>
-            <a:off x="1310120" y="3429000"/>
-            <a:ext cx="5044774" cy="2908590"/>
+            <a:off x="2373406" y="3903541"/>
+            <a:ext cx="4747970" cy="2737466"/>
           </a:xfrm>
           <a:prstGeom prst="rect">
             <a:avLst/>
@@ -5030,7 +5183,7 @@
         </p:spPr>
         <p:txBody>
           <a:bodyPr>
-            <a:normAutofit fontScale="92500" lnSpcReduction="10000"/>
+            <a:normAutofit lnSpcReduction="10000"/>
           </a:bodyPr>
           <a:lstStyle/>
           <a:p>
@@ -5596,7 +5749,7 @@
           <a:p>
             <a:r>
               <a:rPr lang="zh-CN" altLang="en-US" sz="2600" dirty="0"/>
-              <a:t>类型：决定了对变量能进行说明运算、变量占内存大小、变量值范围</a:t>
+              <a:t>类型：决定了对变量能进行什么运算、变量占内存大小、变量值范围</a:t>
             </a:r>
           </a:p>
         </p:txBody>
@@ -6766,7 +6919,7 @@
         </p:spPr>
         <p:txBody>
           <a:bodyPr vert="horz" lIns="91440" tIns="45720" rIns="91440" bIns="45720" rtlCol="0">
-            <a:normAutofit lnSpcReduction="10000"/>
+            <a:normAutofit/>
           </a:bodyPr>
           <a:lstStyle>
             <a:lvl1pPr marL="228600" indent="-228600" algn="l" defTabSz="914400" rtl="0" eaLnBrk="1" latinLnBrk="0" hangingPunct="1">
@@ -7218,7 +7371,7 @@
         </p:spPr>
         <p:txBody>
           <a:bodyPr vert="horz" lIns="91440" tIns="45720" rIns="91440" bIns="45720" rtlCol="0">
-            <a:normAutofit fontScale="85000" lnSpcReduction="10000"/>
+            <a:normAutofit fontScale="92500"/>
           </a:bodyPr>
           <a:lstStyle>
             <a:lvl1pPr marL="228600" indent="-228600" algn="l" defTabSz="914400" rtl="0" eaLnBrk="1" latinLnBrk="0" hangingPunct="1">
@@ -11518,6 +11671,99 @@
       </p:grpSpPr>
       <p:sp>
         <p:nvSpPr>
+          <p:cNvPr id="2" name="Title 1">
+            <a:extLst>
+              <a:ext uri="{FF2B5EF4-FFF2-40B4-BE49-F238E27FC236}">
+                <a16:creationId xmlns:a16="http://schemas.microsoft.com/office/drawing/2014/main" id="{EB45FBD5-7401-48F0-82AB-403930F2E566}"/>
+              </a:ext>
+            </a:extLst>
+          </p:cNvPr>
+          <p:cNvSpPr>
+            <a:spLocks noGrp="1"/>
+          </p:cNvSpPr>
+          <p:nvPr>
+            <p:ph type="title"/>
+          </p:nvPr>
+        </p:nvSpPr>
+        <p:spPr/>
+        <p:txBody>
+          <a:bodyPr/>
+          <a:lstStyle/>
+          <a:p>
+            <a:r>
+              <a:rPr lang="zh-CN" altLang="en-US" dirty="0"/>
+              <a:t>类型决定了取值范围</a:t>
+            </a:r>
+            <a:endParaRPr lang="en-US" dirty="0"/>
+          </a:p>
+        </p:txBody>
+      </p:sp>
+      <p:sp>
+        <p:nvSpPr>
+          <p:cNvPr id="3" name="Content Placeholder 2">
+            <a:extLst>
+              <a:ext uri="{FF2B5EF4-FFF2-40B4-BE49-F238E27FC236}">
+                <a16:creationId xmlns:a16="http://schemas.microsoft.com/office/drawing/2014/main" id="{447411E9-376E-4519-902F-7CCECB224D12}"/>
+              </a:ext>
+            </a:extLst>
+          </p:cNvPr>
+          <p:cNvSpPr>
+            <a:spLocks noGrp="1"/>
+          </p:cNvSpPr>
+          <p:nvPr>
+            <p:ph idx="1"/>
+          </p:nvPr>
+        </p:nvSpPr>
+        <p:spPr/>
+        <p:txBody>
+          <a:bodyPr/>
+          <a:lstStyle/>
+          <a:p>
+            <a:pPr marL="0" indent="0">
+              <a:buNone/>
+            </a:pPr>
+            <a:r>
+              <a:rPr lang="en-US" dirty="0">
+                <a:hlinkClick r:id="rId2"/>
+              </a:rPr>
+              <a:t>https://www.geeksforgeeks.org/data-type-ranges-and-their-macros-in-c/</a:t>
+            </a:r>
+            <a:endParaRPr lang="en-US" dirty="0"/>
+          </a:p>
+        </p:txBody>
+      </p:sp>
+    </p:spTree>
+    <p:extLst>
+      <p:ext uri="{BB962C8B-B14F-4D97-AF65-F5344CB8AC3E}">
+        <p14:creationId xmlns:p14="http://schemas.microsoft.com/office/powerpoint/2010/main" val="809009421"/>
+      </p:ext>
+    </p:extLst>
+  </p:cSld>
+  <p:clrMapOvr>
+    <a:masterClrMapping/>
+  </p:clrMapOvr>
+</p:sld>
+</file>
+
+<file path=ppt/slides/slide28.xml><?xml version="1.0" encoding="utf-8"?>
+<p:sld xmlns:a="http://schemas.openxmlformats.org/drawingml/2006/main" xmlns:r="http://schemas.openxmlformats.org/officeDocument/2006/relationships" xmlns:p="http://schemas.openxmlformats.org/presentationml/2006/main">
+  <p:cSld>
+    <p:spTree>
+      <p:nvGrpSpPr>
+        <p:cNvPr id="1" name=""/>
+        <p:cNvGrpSpPr/>
+        <p:nvPr/>
+      </p:nvGrpSpPr>
+      <p:grpSpPr>
+        <a:xfrm>
+          <a:off x="0" y="0"/>
+          <a:ext cx="0" cy="0"/>
+          <a:chOff x="0" y="0"/>
+          <a:chExt cx="0" cy="0"/>
+        </a:xfrm>
+      </p:grpSpPr>
+      <p:sp>
+        <p:nvSpPr>
           <p:cNvPr id="2" name="标题 1"/>
           <p:cNvSpPr>
             <a:spLocks noGrp="1"/>
@@ -11919,7 +12165,7 @@
 </p:sld>
 </file>
 
-<file path=ppt/slides/slide28.xml><?xml version="1.0" encoding="utf-8"?>
+<file path=ppt/slides/slide29.xml><?xml version="1.0" encoding="utf-8"?>
 <p:sld xmlns:a="http://schemas.openxmlformats.org/drawingml/2006/main" xmlns:r="http://schemas.openxmlformats.org/officeDocument/2006/relationships" xmlns:p="http://schemas.openxmlformats.org/presentationml/2006/main">
   <p:cSld>
     <p:spTree>
@@ -12051,71 +12297,6 @@
 </p:sld>
 </file>
 
-<file path=ppt/slides/slide29.xml><?xml version="1.0" encoding="utf-8"?>
-<p:sld xmlns:a="http://schemas.openxmlformats.org/drawingml/2006/main" xmlns:r="http://schemas.openxmlformats.org/officeDocument/2006/relationships" xmlns:p="http://schemas.openxmlformats.org/presentationml/2006/main">
-  <p:cSld>
-    <p:spTree>
-      <p:nvGrpSpPr>
-        <p:cNvPr id="1" name=""/>
-        <p:cNvGrpSpPr/>
-        <p:nvPr/>
-      </p:nvGrpSpPr>
-      <p:grpSpPr>
-        <a:xfrm>
-          <a:off x="0" y="0"/>
-          <a:ext cx="0" cy="0"/>
-          <a:chOff x="0" y="0"/>
-          <a:chExt cx="0" cy="0"/>
-        </a:xfrm>
-      </p:grpSpPr>
-      <p:sp>
-        <p:nvSpPr>
-          <p:cNvPr id="2" name="标题 1">
-            <a:extLst>
-              <a:ext uri="{FF2B5EF4-FFF2-40B4-BE49-F238E27FC236}">
-                <a16:creationId xmlns:a16="http://schemas.microsoft.com/office/drawing/2014/main" id="{713090E5-3438-46E2-A246-FF786F2C0E8C}"/>
-              </a:ext>
-            </a:extLst>
-          </p:cNvPr>
-          <p:cNvSpPr>
-            <a:spLocks noGrp="1"/>
-          </p:cNvSpPr>
-          <p:nvPr>
-            <p:ph type="title"/>
-          </p:nvPr>
-        </p:nvSpPr>
-        <p:spPr>
-          <a:xfrm>
-            <a:off x="734291" y="2766218"/>
-            <a:ext cx="10515600" cy="1325563"/>
-          </a:xfrm>
-        </p:spPr>
-        <p:txBody>
-          <a:bodyPr>
-            <a:normAutofit/>
-          </a:bodyPr>
-          <a:lstStyle/>
-          <a:p>
-            <a:r>
-              <a:rPr lang="zh-CN" altLang="en-US" sz="7200" dirty="0"/>
-              <a:t>文字量</a:t>
-            </a:r>
-          </a:p>
-        </p:txBody>
-      </p:sp>
-    </p:spTree>
-    <p:extLst>
-      <p:ext uri="{BB962C8B-B14F-4D97-AF65-F5344CB8AC3E}">
-        <p14:creationId xmlns:p14="http://schemas.microsoft.com/office/powerpoint/2010/main" val="883865733"/>
-      </p:ext>
-    </p:extLst>
-  </p:cSld>
-  <p:clrMapOvr>
-    <a:masterClrMapping/>
-  </p:clrMapOvr>
-</p:sld>
-</file>
-
 <file path=ppt/slides/slide3.xml><?xml version="1.0" encoding="utf-8"?>
 <p:sld xmlns:a="http://schemas.openxmlformats.org/drawingml/2006/main" xmlns:r="http://schemas.openxmlformats.org/officeDocument/2006/relationships" xmlns:p="http://schemas.openxmlformats.org/presentationml/2006/main">
   <p:cSld>
@@ -12203,6 +12384,71 @@
           <p:cNvPr id="2" name="标题 1">
             <a:extLst>
               <a:ext uri="{FF2B5EF4-FFF2-40B4-BE49-F238E27FC236}">
+                <a16:creationId xmlns:a16="http://schemas.microsoft.com/office/drawing/2014/main" id="{713090E5-3438-46E2-A246-FF786F2C0E8C}"/>
+              </a:ext>
+            </a:extLst>
+          </p:cNvPr>
+          <p:cNvSpPr>
+            <a:spLocks noGrp="1"/>
+          </p:cNvSpPr>
+          <p:nvPr>
+            <p:ph type="title"/>
+          </p:nvPr>
+        </p:nvSpPr>
+        <p:spPr>
+          <a:xfrm>
+            <a:off x="734291" y="2766218"/>
+            <a:ext cx="10515600" cy="1325563"/>
+          </a:xfrm>
+        </p:spPr>
+        <p:txBody>
+          <a:bodyPr>
+            <a:normAutofit/>
+          </a:bodyPr>
+          <a:lstStyle/>
+          <a:p>
+            <a:r>
+              <a:rPr lang="zh-CN" altLang="en-US" sz="7200" dirty="0"/>
+              <a:t>文字量</a:t>
+            </a:r>
+          </a:p>
+        </p:txBody>
+      </p:sp>
+    </p:spTree>
+    <p:extLst>
+      <p:ext uri="{BB962C8B-B14F-4D97-AF65-F5344CB8AC3E}">
+        <p14:creationId xmlns:p14="http://schemas.microsoft.com/office/powerpoint/2010/main" val="883865733"/>
+      </p:ext>
+    </p:extLst>
+  </p:cSld>
+  <p:clrMapOvr>
+    <a:masterClrMapping/>
+  </p:clrMapOvr>
+</p:sld>
+</file>
+
+<file path=ppt/slides/slide31.xml><?xml version="1.0" encoding="utf-8"?>
+<p:sld xmlns:a="http://schemas.openxmlformats.org/drawingml/2006/main" xmlns:r="http://schemas.openxmlformats.org/officeDocument/2006/relationships" xmlns:p="http://schemas.openxmlformats.org/presentationml/2006/main">
+  <p:cSld>
+    <p:spTree>
+      <p:nvGrpSpPr>
+        <p:cNvPr id="1" name=""/>
+        <p:cNvGrpSpPr/>
+        <p:nvPr/>
+      </p:nvGrpSpPr>
+      <p:grpSpPr>
+        <a:xfrm>
+          <a:off x="0" y="0"/>
+          <a:ext cx="0" cy="0"/>
+          <a:chOff x="0" y="0"/>
+          <a:chExt cx="0" cy="0"/>
+        </a:xfrm>
+      </p:grpSpPr>
+      <p:sp>
+        <p:nvSpPr>
+          <p:cNvPr id="2" name="标题 1">
+            <a:extLst>
+              <a:ext uri="{FF2B5EF4-FFF2-40B4-BE49-F238E27FC236}">
                 <a16:creationId xmlns:a16="http://schemas.microsoft.com/office/drawing/2014/main" id="{F0BD5AF1-1D1A-438A-9D7E-2C1EF1DBAF95}"/>
               </a:ext>
             </a:extLst>
@@ -12339,7 +12585,7 @@
 </p:sld>
 </file>
 
-<file path=ppt/slides/slide31.xml><?xml version="1.0" encoding="utf-8"?>
+<file path=ppt/slides/slide32.xml><?xml version="1.0" encoding="utf-8"?>
 <p:sld xmlns:a="http://schemas.openxmlformats.org/drawingml/2006/main" xmlns:r="http://schemas.openxmlformats.org/officeDocument/2006/relationships" xmlns:p="http://schemas.openxmlformats.org/presentationml/2006/main">
   <p:cSld>
     <p:spTree>
@@ -12691,7 +12937,7 @@
 </p:sld>
 </file>
 
-<file path=ppt/slides/slide32.xml><?xml version="1.0" encoding="utf-8"?>
+<file path=ppt/slides/slide33.xml><?xml version="1.0" encoding="utf-8"?>
 <p:sld xmlns:a="http://schemas.openxmlformats.org/drawingml/2006/main" xmlns:r="http://schemas.openxmlformats.org/officeDocument/2006/relationships" xmlns:p="http://schemas.openxmlformats.org/presentationml/2006/main">
   <p:cSld>
     <p:spTree>
@@ -13077,7 +13323,7 @@
 </p:sld>
 </file>
 
-<file path=ppt/slides/slide33.xml><?xml version="1.0" encoding="utf-8"?>
+<file path=ppt/slides/slide34.xml><?xml version="1.0" encoding="utf-8"?>
 <p:sld xmlns:a="http://schemas.openxmlformats.org/drawingml/2006/main" xmlns:r="http://schemas.openxmlformats.org/officeDocument/2006/relationships" xmlns:p="http://schemas.openxmlformats.org/presentationml/2006/main">
   <p:cSld>
     <p:spTree>
@@ -13397,7 +13643,7 @@
 </p:sld>
 </file>
 
-<file path=ppt/slides/slide34.xml><?xml version="1.0" encoding="utf-8"?>
+<file path=ppt/slides/slide35.xml><?xml version="1.0" encoding="utf-8"?>
 <p:sld xmlns:a="http://schemas.openxmlformats.org/drawingml/2006/main" xmlns:r="http://schemas.openxmlformats.org/officeDocument/2006/relationships" xmlns:p="http://schemas.openxmlformats.org/presentationml/2006/main">
   <p:cSld>
     <p:spTree>
@@ -13894,7 +14140,7 @@
 </p:sld>
 </file>
 
-<file path=ppt/slides/slide35.xml><?xml version="1.0" encoding="utf-8"?>
+<file path=ppt/slides/slide36.xml><?xml version="1.0" encoding="utf-8"?>
 <p:sld xmlns:a="http://schemas.openxmlformats.org/drawingml/2006/main" xmlns:r="http://schemas.openxmlformats.org/officeDocument/2006/relationships" xmlns:p="http://schemas.openxmlformats.org/presentationml/2006/main">
   <p:cSld>
     <p:spTree>
@@ -13963,14 +14209,82 @@
           <a:p>
             <a:r>
               <a:rPr lang="zh-CN" altLang="zh-CN" dirty="0"/>
-              <a:t>如何在字符串中表示双引号字符”？如何表示哪些不可见的字符如空字符、换行符、制表符？如何表示特殊字符如响铃符？</a:t>
+              <a:t>如何在字符串中表示双引号字符</a:t>
+            </a:r>
+            <a:r>
+              <a:rPr lang="zh-CN" altLang="zh-CN" dirty="0">
+                <a:solidFill>
+                  <a:srgbClr val="FF0000"/>
+                </a:solidFill>
+              </a:rPr>
+              <a:t>”</a:t>
+            </a:r>
+            <a:r>
+              <a:rPr lang="zh-CN" altLang="zh-CN" dirty="0"/>
+              <a:t>？如何表示哪些不可见的字符如</a:t>
+            </a:r>
+            <a:r>
+              <a:rPr lang="zh-CN" altLang="zh-CN" dirty="0">
+                <a:solidFill>
+                  <a:srgbClr val="FF0000"/>
+                </a:solidFill>
+              </a:rPr>
+              <a:t>空字符</a:t>
+            </a:r>
+            <a:r>
+              <a:rPr lang="zh-CN" altLang="zh-CN" dirty="0"/>
+              <a:t>、</a:t>
+            </a:r>
+            <a:r>
+              <a:rPr lang="zh-CN" altLang="zh-CN" dirty="0">
+                <a:solidFill>
+                  <a:srgbClr val="FF0000"/>
+                </a:solidFill>
+              </a:rPr>
+              <a:t>换行符</a:t>
+            </a:r>
+            <a:r>
+              <a:rPr lang="zh-CN" altLang="zh-CN" dirty="0"/>
+              <a:t>、</a:t>
+            </a:r>
+            <a:r>
+              <a:rPr lang="zh-CN" altLang="zh-CN" dirty="0">
+                <a:solidFill>
+                  <a:srgbClr val="FF0000"/>
+                </a:solidFill>
+              </a:rPr>
+              <a:t>制表符</a:t>
+            </a:r>
+            <a:r>
+              <a:rPr lang="zh-CN" altLang="zh-CN" dirty="0"/>
+              <a:t>？如何表示特殊字符如</a:t>
+            </a:r>
+            <a:r>
+              <a:rPr lang="zh-CN" altLang="zh-CN" dirty="0">
+                <a:solidFill>
+                  <a:srgbClr val="FF0000"/>
+                </a:solidFill>
+              </a:rPr>
+              <a:t>响铃符</a:t>
+            </a:r>
+            <a:r>
+              <a:rPr lang="zh-CN" altLang="zh-CN" dirty="0"/>
+              <a:t>？</a:t>
             </a:r>
             <a:endParaRPr lang="en-US" altLang="zh-CN" dirty="0"/>
           </a:p>
           <a:p>
             <a:r>
               <a:rPr lang="zh-CN" altLang="zh-CN" dirty="0"/>
-              <a:t>解决方法：用反斜杠开始的转义字符序列表示某种字符，如</a:t>
+              <a:t>解决方法：用</a:t>
+            </a:r>
+            <a:r>
+              <a:rPr lang="zh-CN" altLang="zh-CN" b="1" dirty="0"/>
+              <a:t>反斜杠开始的转义字符序列</a:t>
+            </a:r>
+            <a:r>
+              <a:rPr lang="zh-CN" altLang="zh-CN" dirty="0"/>
+              <a:t>表示某种字符，如</a:t>
             </a:r>
             <a:r>
               <a:rPr lang="en-US" altLang="zh-CN" dirty="0"/>
@@ -14358,11 +14672,18 @@
               <a:t>和</a:t>
             </a:r>
             <a:r>
+              <a:rPr lang="zh-CN" altLang="en-US" dirty="0">
+                <a:latin typeface="Noto Sans S Chinese Regular" panose="020B0500000000000000" pitchFamily="34" charset="-122"/>
+                <a:ea typeface="Noto Sans S Chinese Regular" panose="020B0500000000000000" pitchFamily="34" charset="-122"/>
+              </a:rPr>
+              <a:t>字符</a:t>
+            </a:r>
+            <a:r>
               <a:rPr lang="en-US" altLang="zh-CN" dirty="0">
                 <a:latin typeface="Noto Sans S Chinese Regular" panose="020B0500000000000000" pitchFamily="34" charset="-122"/>
                 <a:ea typeface="Noto Sans S Chinese Regular" panose="020B0500000000000000" pitchFamily="34" charset="-122"/>
               </a:rPr>
-              <a:t>’4’</a:t>
+              <a:t>4</a:t>
             </a:r>
             <a:r>
               <a:rPr lang="zh-CN" altLang="zh-CN" dirty="0">
@@ -14628,7 +14949,7 @@
 </p:sld>
 </file>
 
-<file path=ppt/slides/slide36.xml><?xml version="1.0" encoding="utf-8"?>
+<file path=ppt/slides/slide37.xml><?xml version="1.0" encoding="utf-8"?>
 <p:sld xmlns:a="http://schemas.openxmlformats.org/drawingml/2006/main" xmlns:r="http://schemas.openxmlformats.org/officeDocument/2006/relationships" xmlns:p="http://schemas.openxmlformats.org/presentationml/2006/main">
   <p:cSld>
     <p:spTree>
@@ -14688,7 +15009,7 @@
 </p:sld>
 </file>
 
-<file path=ppt/slides/slide37.xml><?xml version="1.0" encoding="utf-8"?>
+<file path=ppt/slides/slide38.xml><?xml version="1.0" encoding="utf-8"?>
 <p:sld xmlns:a="http://schemas.openxmlformats.org/drawingml/2006/main" xmlns:r="http://schemas.openxmlformats.org/officeDocument/2006/relationships" xmlns:p="http://schemas.openxmlformats.org/presentationml/2006/main">
   <p:cSld>
     <p:spTree>
@@ -15064,7 +15385,7 @@
 </p:sld>
 </file>
 
-<file path=ppt/slides/slide38.xml><?xml version="1.0" encoding="utf-8"?>
+<file path=ppt/slides/slide39.xml><?xml version="1.0" encoding="utf-8"?>
 <p:sld xmlns:a="http://schemas.openxmlformats.org/drawingml/2006/main" xmlns:r="http://schemas.openxmlformats.org/officeDocument/2006/relationships" xmlns:p="http://schemas.openxmlformats.org/presentationml/2006/main">
   <p:cSld>
     <p:spTree>
@@ -15110,71 +15431,6 @@
     <p:extLst>
       <p:ext uri="{BB962C8B-B14F-4D97-AF65-F5344CB8AC3E}">
         <p14:creationId xmlns:p14="http://schemas.microsoft.com/office/powerpoint/2010/main" val="3704092577"/>
-      </p:ext>
-    </p:extLst>
-  </p:cSld>
-  <p:clrMapOvr>
-    <a:masterClrMapping/>
-  </p:clrMapOvr>
-</p:sld>
-</file>
-
-<file path=ppt/slides/slide39.xml><?xml version="1.0" encoding="utf-8"?>
-<p:sld xmlns:a="http://schemas.openxmlformats.org/drawingml/2006/main" xmlns:r="http://schemas.openxmlformats.org/officeDocument/2006/relationships" xmlns:p="http://schemas.openxmlformats.org/presentationml/2006/main">
-  <p:cSld>
-    <p:spTree>
-      <p:nvGrpSpPr>
-        <p:cNvPr id="1" name=""/>
-        <p:cNvGrpSpPr/>
-        <p:nvPr/>
-      </p:nvGrpSpPr>
-      <p:grpSpPr>
-        <a:xfrm>
-          <a:off x="0" y="0"/>
-          <a:ext cx="0" cy="0"/>
-          <a:chOff x="0" y="0"/>
-          <a:chExt cx="0" cy="0"/>
-        </a:xfrm>
-      </p:grpSpPr>
-      <p:sp>
-        <p:nvSpPr>
-          <p:cNvPr id="2" name="标题 1">
-            <a:extLst>
-              <a:ext uri="{FF2B5EF4-FFF2-40B4-BE49-F238E27FC236}">
-                <a16:creationId xmlns:a16="http://schemas.microsoft.com/office/drawing/2014/main" id="{713090E5-3438-46E2-A246-FF786F2C0E8C}"/>
-              </a:ext>
-            </a:extLst>
-          </p:cNvPr>
-          <p:cNvSpPr>
-            <a:spLocks noGrp="1"/>
-          </p:cNvSpPr>
-          <p:nvPr>
-            <p:ph type="title"/>
-          </p:nvPr>
-        </p:nvSpPr>
-        <p:spPr>
-          <a:xfrm>
-            <a:off x="734291" y="2766218"/>
-            <a:ext cx="10515600" cy="1325563"/>
-          </a:xfrm>
-        </p:spPr>
-        <p:txBody>
-          <a:bodyPr>
-            <a:normAutofit/>
-          </a:bodyPr>
-          <a:lstStyle/>
-          <a:p>
-            <a:r>
-              <a:rPr lang="zh-CN" altLang="en-US" sz="7200" dirty="0"/>
-              <a:t>类型转换</a:t>
-            </a:r>
-          </a:p>
-        </p:txBody>
-      </p:sp>
-    </p:spTree>
-    <p:extLst>
-      <p:ext uri="{BB962C8B-B14F-4D97-AF65-F5344CB8AC3E}">
-        <p14:creationId xmlns:p14="http://schemas.microsoft.com/office/powerpoint/2010/main" val="1879665660"/>
       </p:ext>
     </p:extLst>
   </p:cSld>
@@ -15438,6 +15694,71 @@
           <p:cNvPr id="2" name="标题 1">
             <a:extLst>
               <a:ext uri="{FF2B5EF4-FFF2-40B4-BE49-F238E27FC236}">
+                <a16:creationId xmlns:a16="http://schemas.microsoft.com/office/drawing/2014/main" id="{713090E5-3438-46E2-A246-FF786F2C0E8C}"/>
+              </a:ext>
+            </a:extLst>
+          </p:cNvPr>
+          <p:cNvSpPr>
+            <a:spLocks noGrp="1"/>
+          </p:cNvSpPr>
+          <p:nvPr>
+            <p:ph type="title"/>
+          </p:nvPr>
+        </p:nvSpPr>
+        <p:spPr>
+          <a:xfrm>
+            <a:off x="734291" y="2766218"/>
+            <a:ext cx="10515600" cy="1325563"/>
+          </a:xfrm>
+        </p:spPr>
+        <p:txBody>
+          <a:bodyPr>
+            <a:normAutofit/>
+          </a:bodyPr>
+          <a:lstStyle/>
+          <a:p>
+            <a:r>
+              <a:rPr lang="zh-CN" altLang="en-US" sz="7200" dirty="0"/>
+              <a:t>类型转换</a:t>
+            </a:r>
+          </a:p>
+        </p:txBody>
+      </p:sp>
+    </p:spTree>
+    <p:extLst>
+      <p:ext uri="{BB962C8B-B14F-4D97-AF65-F5344CB8AC3E}">
+        <p14:creationId xmlns:p14="http://schemas.microsoft.com/office/powerpoint/2010/main" val="1879665660"/>
+      </p:ext>
+    </p:extLst>
+  </p:cSld>
+  <p:clrMapOvr>
+    <a:masterClrMapping/>
+  </p:clrMapOvr>
+</p:sld>
+</file>
+
+<file path=ppt/slides/slide41.xml><?xml version="1.0" encoding="utf-8"?>
+<p:sld xmlns:a="http://schemas.openxmlformats.org/drawingml/2006/main" xmlns:r="http://schemas.openxmlformats.org/officeDocument/2006/relationships" xmlns:p="http://schemas.openxmlformats.org/presentationml/2006/main">
+  <p:cSld>
+    <p:spTree>
+      <p:nvGrpSpPr>
+        <p:cNvPr id="1" name=""/>
+        <p:cNvGrpSpPr/>
+        <p:nvPr/>
+      </p:nvGrpSpPr>
+      <p:grpSpPr>
+        <a:xfrm>
+          <a:off x="0" y="0"/>
+          <a:ext cx="0" cy="0"/>
+          <a:chOff x="0" y="0"/>
+          <a:chExt cx="0" cy="0"/>
+        </a:xfrm>
+      </p:grpSpPr>
+      <p:sp>
+        <p:nvSpPr>
+          <p:cNvPr id="2" name="标题 1">
+            <a:extLst>
+              <a:ext uri="{FF2B5EF4-FFF2-40B4-BE49-F238E27FC236}">
                 <a16:creationId xmlns:a16="http://schemas.microsoft.com/office/drawing/2014/main" id="{492DDCE3-BAC5-47BC-87E9-E950C4FA15B4}"/>
               </a:ext>
             </a:extLst>
@@ -15620,7 +15941,7 @@
 </p:sld>
 </file>
 
-<file path=ppt/slides/slide41.xml><?xml version="1.0" encoding="utf-8"?>
+<file path=ppt/slides/slide42.xml><?xml version="1.0" encoding="utf-8"?>
 <p:sld xmlns:a="http://schemas.openxmlformats.org/drawingml/2006/main" xmlns:r="http://schemas.openxmlformats.org/officeDocument/2006/relationships" xmlns:p="http://schemas.openxmlformats.org/presentationml/2006/main">
   <p:cSld>
     <p:spTree>
@@ -15789,7 +16110,7 @@
 </p:sld>
 </file>
 
-<file path=ppt/slides/slide42.xml><?xml version="1.0" encoding="utf-8"?>
+<file path=ppt/slides/slide43.xml><?xml version="1.0" encoding="utf-8"?>
 <p:sld xmlns:a="http://schemas.openxmlformats.org/drawingml/2006/main" xmlns:r="http://schemas.openxmlformats.org/officeDocument/2006/relationships" xmlns:p="http://schemas.openxmlformats.org/presentationml/2006/main">
   <p:cSld>
     <p:spTree>
@@ -16172,7 +16493,7 @@
 </p:sld>
 </file>
 
-<file path=ppt/slides/slide43.xml><?xml version="1.0" encoding="utf-8"?>
+<file path=ppt/slides/slide44.xml><?xml version="1.0" encoding="utf-8"?>
 <p:sld xmlns:a="http://schemas.openxmlformats.org/drawingml/2006/main" xmlns:r="http://schemas.openxmlformats.org/officeDocument/2006/relationships" xmlns:p="http://schemas.openxmlformats.org/presentationml/2006/main">
   <p:cSld>
     <p:spTree>
@@ -16232,7 +16553,7 @@
 </p:sld>
 </file>
 
-<file path=ppt/slides/slide44.xml><?xml version="1.0" encoding="utf-8"?>
+<file path=ppt/slides/slide45.xml><?xml version="1.0" encoding="utf-8"?>
 <p:sld xmlns:a="http://schemas.openxmlformats.org/drawingml/2006/main" xmlns:r="http://schemas.openxmlformats.org/officeDocument/2006/relationships" xmlns:p="http://schemas.openxmlformats.org/presentationml/2006/main">
   <p:cSld>
     <p:spTree>
@@ -16424,7 +16745,7 @@
 </p:sld>
 </file>
 
-<file path=ppt/slides/slide45.xml><?xml version="1.0" encoding="utf-8"?>
+<file path=ppt/slides/slide46.xml><?xml version="1.0" encoding="utf-8"?>
 <p:sld xmlns:a="http://schemas.openxmlformats.org/drawingml/2006/main" xmlns:r="http://schemas.openxmlformats.org/officeDocument/2006/relationships" xmlns:p="http://schemas.openxmlformats.org/presentationml/2006/main">
   <p:cSld>
     <p:spTree>
@@ -16616,7 +16937,7 @@
 </p:sld>
 </file>
 
-<file path=ppt/slides/slide46.xml><?xml version="1.0" encoding="utf-8"?>
+<file path=ppt/slides/slide47.xml><?xml version="1.0" encoding="utf-8"?>
 <p:sld xmlns:a="http://schemas.openxmlformats.org/drawingml/2006/main" xmlns:r="http://schemas.openxmlformats.org/officeDocument/2006/relationships" xmlns:p="http://schemas.openxmlformats.org/presentationml/2006/main">
   <p:cSld>
     <p:spTree>
@@ -16765,7 +17086,7 @@
 </p:sld>
 </file>
 
-<file path=ppt/slides/slide47.xml><?xml version="1.0" encoding="utf-8"?>
+<file path=ppt/slides/slide48.xml><?xml version="1.0" encoding="utf-8"?>
 <p:sld xmlns:a="http://schemas.openxmlformats.org/drawingml/2006/main" xmlns:r="http://schemas.openxmlformats.org/officeDocument/2006/relationships" xmlns:p="http://schemas.openxmlformats.org/presentationml/2006/main">
   <p:cSld>
     <p:spTree>
@@ -16830,7 +17151,7 @@
 </p:sld>
 </file>
 
-<file path=ppt/slides/slide48.xml><?xml version="1.0" encoding="utf-8"?>
+<file path=ppt/slides/slide49.xml><?xml version="1.0" encoding="utf-8"?>
 <p:sld xmlns:a="http://schemas.openxmlformats.org/drawingml/2006/main" xmlns:r="http://schemas.openxmlformats.org/officeDocument/2006/relationships" xmlns:p="http://schemas.openxmlformats.org/presentationml/2006/main">
   <p:cSld>
     <p:spTree>
@@ -17420,66 +17741,32 @@
       </p:sp>
       <p:pic>
         <p:nvPicPr>
-          <p:cNvPr id="1026" name="Picture 2"/>
+          <p:cNvPr id="9" name="Picture 8">
+            <a:extLst>
+              <a:ext uri="{FF2B5EF4-FFF2-40B4-BE49-F238E27FC236}">
+                <a16:creationId xmlns:a16="http://schemas.microsoft.com/office/drawing/2014/main" id="{0E4683E2-33BA-409F-B629-F218686FD86F}"/>
+              </a:ext>
+            </a:extLst>
+          </p:cNvPr>
           <p:cNvPicPr>
-            <a:picLocks noChangeAspect="1" noChangeArrowheads="1"/>
+            <a:picLocks noChangeAspect="1"/>
           </p:cNvPicPr>
           <p:nvPr/>
         </p:nvPicPr>
         <p:blipFill>
-          <a:blip r:embed="rId2">
-            <a:extLst>
-              <a:ext uri="{28A0092B-C50C-407E-A947-70E740481C1C}">
-                <a14:useLocalDpi xmlns:a14="http://schemas.microsoft.com/office/drawing/2010/main" val="0"/>
-              </a:ext>
-            </a:extLst>
-          </a:blip>
-          <a:srcRect/>
+          <a:blip r:embed="rId2"/>
           <a:stretch>
             <a:fillRect/>
           </a:stretch>
         </p:blipFill>
-        <p:spPr bwMode="auto">
+        <p:spPr>
           <a:xfrm>
-            <a:off x="2303297" y="4038600"/>
-            <a:ext cx="8392778" cy="2486282"/>
+            <a:off x="1904719" y="3777503"/>
+            <a:ext cx="7629525" cy="2476500"/>
           </a:xfrm>
           <a:prstGeom prst="rect">
             <a:avLst/>
           </a:prstGeom>
-          <a:noFill/>
-          <a:ln>
-            <a:noFill/>
-          </a:ln>
-          <a:effectLst/>
-          <a:extLst>
-            <a:ext uri="{909E8E84-426E-40DD-AFC4-6F175D3DCCD1}">
-              <a14:hiddenFill xmlns:a14="http://schemas.microsoft.com/office/drawing/2010/main">
-                <a:solidFill>
-                  <a:schemeClr val="accent1"/>
-                </a:solidFill>
-              </a14:hiddenFill>
-            </a:ext>
-            <a:ext uri="{91240B29-F687-4F45-9708-019B960494DF}">
-              <a14:hiddenLine xmlns:a14="http://schemas.microsoft.com/office/drawing/2010/main" w="9525">
-                <a:solidFill>
-                  <a:schemeClr val="tx1"/>
-                </a:solidFill>
-                <a:miter lim="800000"/>
-                <a:headEnd/>
-                <a:tailEnd/>
-              </a14:hiddenLine>
-            </a:ext>
-            <a:ext uri="{AF507438-7753-43E0-B8FC-AC1667EBCBE1}">
-              <a14:hiddenEffects xmlns:a14="http://schemas.microsoft.com/office/drawing/2010/main">
-                <a:effectLst>
-                  <a:outerShdw dist="35921" dir="2700000" algn="ctr" rotWithShape="0">
-                    <a:schemeClr val="bg2"/>
-                  </a:outerShdw>
-                </a:effectLst>
-              </a14:hiddenEffects>
-            </a:ext>
-          </a:extLst>
         </p:spPr>
       </p:pic>
     </p:spTree>
@@ -17571,7 +17858,7 @@
                                           </p:stCondLst>
                                         </p:cTn>
                                         <p:tgtEl>
-                                          <p:spTgt spid="1026"/>
+                                          <p:spTgt spid="9"/>
                                         </p:tgtEl>
                                         <p:attrNameLst>
                                           <p:attrName>style.visibility</p:attrName>
@@ -17618,7 +17905,378 @@
 </p:sld>
 </file>
 
-<file path=ppt/slides/slide49.xml><?xml version="1.0" encoding="utf-8"?>
+<file path=ppt/slides/slide5.xml><?xml version="1.0" encoding="utf-8"?>
+<p:sld xmlns:a="http://schemas.openxmlformats.org/drawingml/2006/main" xmlns:r="http://schemas.openxmlformats.org/officeDocument/2006/relationships" xmlns:p="http://schemas.openxmlformats.org/presentationml/2006/main">
+  <p:cSld>
+    <p:spTree>
+      <p:nvGrpSpPr>
+        <p:cNvPr id="1" name=""/>
+        <p:cNvGrpSpPr/>
+        <p:nvPr/>
+      </p:nvGrpSpPr>
+      <p:grpSpPr>
+        <a:xfrm>
+          <a:off x="0" y="0"/>
+          <a:ext cx="0" cy="0"/>
+          <a:chOff x="0" y="0"/>
+          <a:chExt cx="0" cy="0"/>
+        </a:xfrm>
+      </p:grpSpPr>
+      <p:sp>
+        <p:nvSpPr>
+          <p:cNvPr id="3" name="内容占位符 2"/>
+          <p:cNvSpPr>
+            <a:spLocks noGrp="1"/>
+          </p:cNvSpPr>
+          <p:nvPr>
+            <p:ph idx="1"/>
+          </p:nvPr>
+        </p:nvSpPr>
+        <p:spPr>
+          <a:xfrm>
+            <a:off x="838200" y="571761"/>
+            <a:ext cx="10515600" cy="1155031"/>
+          </a:xfrm>
+        </p:spPr>
+        <p:txBody>
+          <a:bodyPr>
+            <a:normAutofit/>
+          </a:bodyPr>
+          <a:lstStyle/>
+          <a:p>
+            <a:r>
+              <a:rPr lang="zh-CN" altLang="en-US" dirty="0"/>
+              <a:t>保存不确定数据的内存块，其名字叫作</a:t>
+            </a:r>
+            <a:r>
+              <a:rPr lang="zh-CN" altLang="en-US" b="1" dirty="0"/>
+              <a:t>变量</a:t>
+            </a:r>
+            <a:r>
+              <a:rPr lang="zh-CN" altLang="en-US" dirty="0"/>
+              <a:t>。变量</a:t>
+            </a:r>
+            <a:r>
+              <a:rPr lang="zh-CN" altLang="en-US" b="1" dirty="0"/>
+              <a:t>类型</a:t>
+            </a:r>
+            <a:r>
+              <a:rPr lang="zh-CN" altLang="en-US" dirty="0"/>
+              <a:t>决定其内容和占内存块大小</a:t>
+            </a:r>
+          </a:p>
+        </p:txBody>
+      </p:sp>
+      <p:pic>
+        <p:nvPicPr>
+          <p:cNvPr id="2" name="Picture 2"/>
+          <p:cNvPicPr>
+            <a:picLocks noChangeAspect="1" noChangeArrowheads="1"/>
+          </p:cNvPicPr>
+          <p:nvPr/>
+        </p:nvPicPr>
+        <p:blipFill>
+          <a:blip r:embed="rId2">
+            <a:extLst>
+              <a:ext uri="{28A0092B-C50C-407E-A947-70E740481C1C}">
+                <a14:useLocalDpi xmlns:a14="http://schemas.microsoft.com/office/drawing/2010/main" val="0"/>
+              </a:ext>
+            </a:extLst>
+          </a:blip>
+          <a:srcRect/>
+          <a:stretch>
+            <a:fillRect/>
+          </a:stretch>
+        </p:blipFill>
+        <p:spPr bwMode="auto">
+          <a:xfrm>
+            <a:off x="823913" y="1964155"/>
+            <a:ext cx="10964662" cy="4508833"/>
+          </a:xfrm>
+          <a:prstGeom prst="rect">
+            <a:avLst/>
+          </a:prstGeom>
+          <a:noFill/>
+          <a:ln>
+            <a:noFill/>
+          </a:ln>
+          <a:effectLst/>
+          <a:extLst>
+            <a:ext uri="{909E8E84-426E-40DD-AFC4-6F175D3DCCD1}">
+              <a14:hiddenFill xmlns:a14="http://schemas.microsoft.com/office/drawing/2010/main">
+                <a:solidFill>
+                  <a:schemeClr val="accent1"/>
+                </a:solidFill>
+              </a14:hiddenFill>
+            </a:ext>
+            <a:ext uri="{91240B29-F687-4F45-9708-019B960494DF}">
+              <a14:hiddenLine xmlns:a14="http://schemas.microsoft.com/office/drawing/2010/main" w="9525">
+                <a:solidFill>
+                  <a:schemeClr val="tx1"/>
+                </a:solidFill>
+                <a:miter lim="800000"/>
+                <a:headEnd/>
+                <a:tailEnd/>
+              </a14:hiddenLine>
+            </a:ext>
+            <a:ext uri="{AF507438-7753-43E0-B8FC-AC1667EBCBE1}">
+              <a14:hiddenEffects xmlns:a14="http://schemas.microsoft.com/office/drawing/2010/main">
+                <a:effectLst>
+                  <a:outerShdw dist="35921" dir="2700000" algn="ctr" rotWithShape="0">
+                    <a:schemeClr val="bg2"/>
+                  </a:outerShdw>
+                </a:effectLst>
+              </a14:hiddenEffects>
+            </a:ext>
+          </a:extLst>
+        </p:spPr>
+      </p:pic>
+      <p:sp>
+        <p:nvSpPr>
+          <p:cNvPr id="5" name="圆角矩形标注 4"/>
+          <p:cNvSpPr/>
+          <p:nvPr/>
+        </p:nvSpPr>
+        <p:spPr>
+          <a:xfrm>
+            <a:off x="8184173" y="3785183"/>
+            <a:ext cx="3209926" cy="866775"/>
+          </a:xfrm>
+          <a:prstGeom prst="wedgeRoundRectCallout">
+            <a:avLst>
+              <a:gd name="adj1" fmla="val -147746"/>
+              <a:gd name="adj2" fmla="val -61511"/>
+              <a:gd name="adj3" fmla="val 16667"/>
+            </a:avLst>
+          </a:prstGeom>
+        </p:spPr>
+        <p:style>
+          <a:lnRef idx="2">
+            <a:schemeClr val="accent1">
+              <a:shade val="50000"/>
+            </a:schemeClr>
+          </a:lnRef>
+          <a:fillRef idx="1">
+            <a:schemeClr val="accent1"/>
+          </a:fillRef>
+          <a:effectRef idx="0">
+            <a:schemeClr val="accent1"/>
+          </a:effectRef>
+          <a:fontRef idx="minor">
+            <a:schemeClr val="lt1"/>
+          </a:fontRef>
+        </p:style>
+        <p:txBody>
+          <a:bodyPr rtlCol="0" anchor="ctr"/>
+          <a:lstStyle/>
+          <a:p>
+            <a:pPr algn="ctr"/>
+            <a:r>
+              <a:rPr lang="zh-CN" altLang="en-US" sz="3200" dirty="0">
+                <a:solidFill>
+                  <a:srgbClr val="FFFF00"/>
+                </a:solidFill>
+              </a:rPr>
+              <a:t>类型名</a:t>
+            </a:r>
+            <a:r>
+              <a:rPr lang="zh-CN" altLang="en-US" sz="3200" dirty="0"/>
+              <a:t> 变量名</a:t>
+            </a:r>
+            <a:r>
+              <a:rPr lang="en-US" altLang="zh-CN" sz="3200" dirty="0"/>
+              <a:t>;</a:t>
+            </a:r>
+            <a:endParaRPr lang="zh-CN" altLang="en-US" sz="3200" dirty="0"/>
+          </a:p>
+        </p:txBody>
+      </p:sp>
+      <p:sp>
+        <p:nvSpPr>
+          <p:cNvPr id="4" name="圆角矩形 3"/>
+          <p:cNvSpPr/>
+          <p:nvPr/>
+        </p:nvSpPr>
+        <p:spPr>
+          <a:xfrm>
+            <a:off x="1407695" y="3284621"/>
+            <a:ext cx="2117558" cy="397042"/>
+          </a:xfrm>
+          <a:prstGeom prst="roundRect">
+            <a:avLst/>
+          </a:prstGeom>
+          <a:solidFill>
+            <a:schemeClr val="accent1">
+              <a:alpha val="49000"/>
+            </a:schemeClr>
+          </a:solidFill>
+        </p:spPr>
+        <p:style>
+          <a:lnRef idx="2">
+            <a:schemeClr val="accent1">
+              <a:shade val="50000"/>
+            </a:schemeClr>
+          </a:lnRef>
+          <a:fillRef idx="1">
+            <a:schemeClr val="accent1"/>
+          </a:fillRef>
+          <a:effectRef idx="0">
+            <a:schemeClr val="accent1"/>
+          </a:effectRef>
+          <a:fontRef idx="minor">
+            <a:schemeClr val="lt1"/>
+          </a:fontRef>
+        </p:style>
+        <p:txBody>
+          <a:bodyPr rtlCol="0" anchor="ctr"/>
+          <a:lstStyle/>
+          <a:p>
+            <a:pPr algn="ctr"/>
+            <a:endParaRPr lang="zh-CN" altLang="en-US"/>
+          </a:p>
+        </p:txBody>
+      </p:sp>
+    </p:spTree>
+    <p:extLst>
+      <p:ext uri="{BB962C8B-B14F-4D97-AF65-F5344CB8AC3E}">
+        <p14:creationId xmlns:p14="http://schemas.microsoft.com/office/powerpoint/2010/main" val="4152582167"/>
+      </p:ext>
+    </p:extLst>
+  </p:cSld>
+  <p:clrMapOvr>
+    <a:masterClrMapping/>
+  </p:clrMapOvr>
+  <p:timing>
+    <p:tnLst>
+      <p:par>
+        <p:cTn id="1" dur="indefinite" restart="never" nodeType="tmRoot">
+          <p:childTnLst>
+            <p:seq concurrent="1" nextAc="seek">
+              <p:cTn id="2" dur="indefinite" nodeType="mainSeq">
+                <p:childTnLst>
+                  <p:par>
+                    <p:cTn id="3" fill="hold">
+                      <p:stCondLst>
+                        <p:cond delay="indefinite"/>
+                      </p:stCondLst>
+                      <p:childTnLst>
+                        <p:par>
+                          <p:cTn id="4" fill="hold">
+                            <p:stCondLst>
+                              <p:cond delay="0"/>
+                            </p:stCondLst>
+                            <p:childTnLst>
+                              <p:par>
+                                <p:cTn id="5" presetID="1" presetClass="entr" presetSubtype="0" fill="hold" grpId="0" nodeType="clickEffect">
+                                  <p:stCondLst>
+                                    <p:cond delay="0"/>
+                                  </p:stCondLst>
+                                  <p:childTnLst>
+                                    <p:set>
+                                      <p:cBhvr>
+                                        <p:cTn id="6" dur="1" fill="hold">
+                                          <p:stCondLst>
+                                            <p:cond delay="0"/>
+                                          </p:stCondLst>
+                                        </p:cTn>
+                                        <p:tgtEl>
+                                          <p:spTgt spid="5"/>
+                                        </p:tgtEl>
+                                        <p:attrNameLst>
+                                          <p:attrName>style.visibility</p:attrName>
+                                        </p:attrNameLst>
+                                      </p:cBhvr>
+                                      <p:to>
+                                        <p:strVal val="visible"/>
+                                      </p:to>
+                                    </p:set>
+                                  </p:childTnLst>
+                                </p:cTn>
+                              </p:par>
+                            </p:childTnLst>
+                          </p:cTn>
+                        </p:par>
+                      </p:childTnLst>
+                    </p:cTn>
+                  </p:par>
+                  <p:par>
+                    <p:cTn id="7" fill="hold">
+                      <p:stCondLst>
+                        <p:cond delay="indefinite"/>
+                      </p:stCondLst>
+                      <p:childTnLst>
+                        <p:par>
+                          <p:cTn id="8" fill="hold">
+                            <p:stCondLst>
+                              <p:cond delay="0"/>
+                            </p:stCondLst>
+                            <p:childTnLst>
+                              <p:par>
+                                <p:cTn id="9" presetID="1" presetClass="entr" presetSubtype="0" fill="hold" nodeType="clickEffect">
+                                  <p:stCondLst>
+                                    <p:cond delay="0"/>
+                                  </p:stCondLst>
+                                  <p:childTnLst>
+                                    <p:set>
+                                      <p:cBhvr>
+                                        <p:cTn id="10" dur="1" fill="hold">
+                                          <p:stCondLst>
+                                            <p:cond delay="0"/>
+                                          </p:stCondLst>
+                                        </p:cTn>
+                                        <p:tgtEl>
+                                          <p:spTgt spid="3">
+                                            <p:txEl>
+                                              <p:pRg st="0" end="0"/>
+                                            </p:txEl>
+                                          </p:spTgt>
+                                        </p:tgtEl>
+                                        <p:attrNameLst>
+                                          <p:attrName>style.visibility</p:attrName>
+                                        </p:attrNameLst>
+                                      </p:cBhvr>
+                                      <p:to>
+                                        <p:strVal val="visible"/>
+                                      </p:to>
+                                    </p:set>
+                                  </p:childTnLst>
+                                </p:cTn>
+                              </p:par>
+                            </p:childTnLst>
+                          </p:cTn>
+                        </p:par>
+                      </p:childTnLst>
+                    </p:cTn>
+                  </p:par>
+                </p:childTnLst>
+              </p:cTn>
+              <p:prevCondLst>
+                <p:cond evt="onPrev" delay="0">
+                  <p:tgtEl>
+                    <p:sldTgt/>
+                  </p:tgtEl>
+                </p:cond>
+              </p:prevCondLst>
+              <p:nextCondLst>
+                <p:cond evt="onNext" delay="0">
+                  <p:tgtEl>
+                    <p:sldTgt/>
+                  </p:tgtEl>
+                </p:cond>
+              </p:nextCondLst>
+            </p:seq>
+          </p:childTnLst>
+        </p:cTn>
+      </p:par>
+    </p:tnLst>
+    <p:bldLst>
+      <p:bldP spid="5" grpId="0" animBg="1"/>
+    </p:bldLst>
+  </p:timing>
+</p:sld>
+</file>
+
+<file path=ppt/slides/slide50.xml><?xml version="1.0" encoding="utf-8"?>
 <p:sld xmlns:a="http://schemas.openxmlformats.org/drawingml/2006/main" xmlns:r="http://schemas.openxmlformats.org/officeDocument/2006/relationships" xmlns:p="http://schemas.openxmlformats.org/presentationml/2006/main">
   <p:cSld>
     <p:spTree>
@@ -18172,378 +18830,7 @@
 </p:sld>
 </file>
 
-<file path=ppt/slides/slide5.xml><?xml version="1.0" encoding="utf-8"?>
-<p:sld xmlns:a="http://schemas.openxmlformats.org/drawingml/2006/main" xmlns:r="http://schemas.openxmlformats.org/officeDocument/2006/relationships" xmlns:p="http://schemas.openxmlformats.org/presentationml/2006/main">
-  <p:cSld>
-    <p:spTree>
-      <p:nvGrpSpPr>
-        <p:cNvPr id="1" name=""/>
-        <p:cNvGrpSpPr/>
-        <p:nvPr/>
-      </p:nvGrpSpPr>
-      <p:grpSpPr>
-        <a:xfrm>
-          <a:off x="0" y="0"/>
-          <a:ext cx="0" cy="0"/>
-          <a:chOff x="0" y="0"/>
-          <a:chExt cx="0" cy="0"/>
-        </a:xfrm>
-      </p:grpSpPr>
-      <p:sp>
-        <p:nvSpPr>
-          <p:cNvPr id="3" name="内容占位符 2"/>
-          <p:cNvSpPr>
-            <a:spLocks noGrp="1"/>
-          </p:cNvSpPr>
-          <p:nvPr>
-            <p:ph idx="1"/>
-          </p:nvPr>
-        </p:nvSpPr>
-        <p:spPr>
-          <a:xfrm>
-            <a:off x="838200" y="571761"/>
-            <a:ext cx="10515600" cy="1155031"/>
-          </a:xfrm>
-        </p:spPr>
-        <p:txBody>
-          <a:bodyPr>
-            <a:normAutofit/>
-          </a:bodyPr>
-          <a:lstStyle/>
-          <a:p>
-            <a:r>
-              <a:rPr lang="zh-CN" altLang="en-US" dirty="0"/>
-              <a:t>保存不确定数据的内存块，其名字叫作</a:t>
-            </a:r>
-            <a:r>
-              <a:rPr lang="zh-CN" altLang="en-US" b="1" dirty="0"/>
-              <a:t>变量</a:t>
-            </a:r>
-            <a:r>
-              <a:rPr lang="zh-CN" altLang="en-US" dirty="0"/>
-              <a:t>。变量</a:t>
-            </a:r>
-            <a:r>
-              <a:rPr lang="zh-CN" altLang="en-US" b="1" dirty="0"/>
-              <a:t>类型</a:t>
-            </a:r>
-            <a:r>
-              <a:rPr lang="zh-CN" altLang="en-US" dirty="0"/>
-              <a:t>决定其内容和占内存块大小</a:t>
-            </a:r>
-          </a:p>
-        </p:txBody>
-      </p:sp>
-      <p:pic>
-        <p:nvPicPr>
-          <p:cNvPr id="2" name="Picture 2"/>
-          <p:cNvPicPr>
-            <a:picLocks noChangeAspect="1" noChangeArrowheads="1"/>
-          </p:cNvPicPr>
-          <p:nvPr/>
-        </p:nvPicPr>
-        <p:blipFill>
-          <a:blip r:embed="rId2">
-            <a:extLst>
-              <a:ext uri="{28A0092B-C50C-407E-A947-70E740481C1C}">
-                <a14:useLocalDpi xmlns:a14="http://schemas.microsoft.com/office/drawing/2010/main" val="0"/>
-              </a:ext>
-            </a:extLst>
-          </a:blip>
-          <a:srcRect/>
-          <a:stretch>
-            <a:fillRect/>
-          </a:stretch>
-        </p:blipFill>
-        <p:spPr bwMode="auto">
-          <a:xfrm>
-            <a:off x="823913" y="1964155"/>
-            <a:ext cx="10964662" cy="4508833"/>
-          </a:xfrm>
-          <a:prstGeom prst="rect">
-            <a:avLst/>
-          </a:prstGeom>
-          <a:noFill/>
-          <a:ln>
-            <a:noFill/>
-          </a:ln>
-          <a:effectLst/>
-          <a:extLst>
-            <a:ext uri="{909E8E84-426E-40DD-AFC4-6F175D3DCCD1}">
-              <a14:hiddenFill xmlns:a14="http://schemas.microsoft.com/office/drawing/2010/main">
-                <a:solidFill>
-                  <a:schemeClr val="accent1"/>
-                </a:solidFill>
-              </a14:hiddenFill>
-            </a:ext>
-            <a:ext uri="{91240B29-F687-4F45-9708-019B960494DF}">
-              <a14:hiddenLine xmlns:a14="http://schemas.microsoft.com/office/drawing/2010/main" w="9525">
-                <a:solidFill>
-                  <a:schemeClr val="tx1"/>
-                </a:solidFill>
-                <a:miter lim="800000"/>
-                <a:headEnd/>
-                <a:tailEnd/>
-              </a14:hiddenLine>
-            </a:ext>
-            <a:ext uri="{AF507438-7753-43E0-B8FC-AC1667EBCBE1}">
-              <a14:hiddenEffects xmlns:a14="http://schemas.microsoft.com/office/drawing/2010/main">
-                <a:effectLst>
-                  <a:outerShdw dist="35921" dir="2700000" algn="ctr" rotWithShape="0">
-                    <a:schemeClr val="bg2"/>
-                  </a:outerShdw>
-                </a:effectLst>
-              </a14:hiddenEffects>
-            </a:ext>
-          </a:extLst>
-        </p:spPr>
-      </p:pic>
-      <p:sp>
-        <p:nvSpPr>
-          <p:cNvPr id="5" name="圆角矩形标注 4"/>
-          <p:cNvSpPr/>
-          <p:nvPr/>
-        </p:nvSpPr>
-        <p:spPr>
-          <a:xfrm>
-            <a:off x="8184173" y="3785183"/>
-            <a:ext cx="3209926" cy="866775"/>
-          </a:xfrm>
-          <a:prstGeom prst="wedgeRoundRectCallout">
-            <a:avLst>
-              <a:gd name="adj1" fmla="val -147746"/>
-              <a:gd name="adj2" fmla="val -61511"/>
-              <a:gd name="adj3" fmla="val 16667"/>
-            </a:avLst>
-          </a:prstGeom>
-        </p:spPr>
-        <p:style>
-          <a:lnRef idx="2">
-            <a:schemeClr val="accent1">
-              <a:shade val="50000"/>
-            </a:schemeClr>
-          </a:lnRef>
-          <a:fillRef idx="1">
-            <a:schemeClr val="accent1"/>
-          </a:fillRef>
-          <a:effectRef idx="0">
-            <a:schemeClr val="accent1"/>
-          </a:effectRef>
-          <a:fontRef idx="minor">
-            <a:schemeClr val="lt1"/>
-          </a:fontRef>
-        </p:style>
-        <p:txBody>
-          <a:bodyPr rtlCol="0" anchor="ctr"/>
-          <a:lstStyle/>
-          <a:p>
-            <a:pPr algn="ctr"/>
-            <a:r>
-              <a:rPr lang="zh-CN" altLang="en-US" sz="3200" dirty="0">
-                <a:solidFill>
-                  <a:srgbClr val="FFFF00"/>
-                </a:solidFill>
-              </a:rPr>
-              <a:t>类型名</a:t>
-            </a:r>
-            <a:r>
-              <a:rPr lang="zh-CN" altLang="en-US" sz="3200" dirty="0"/>
-              <a:t> 变量名</a:t>
-            </a:r>
-            <a:r>
-              <a:rPr lang="en-US" altLang="zh-CN" sz="3200" dirty="0"/>
-              <a:t>;</a:t>
-            </a:r>
-            <a:endParaRPr lang="zh-CN" altLang="en-US" sz="3200" dirty="0"/>
-          </a:p>
-        </p:txBody>
-      </p:sp>
-      <p:sp>
-        <p:nvSpPr>
-          <p:cNvPr id="4" name="圆角矩形 3"/>
-          <p:cNvSpPr/>
-          <p:nvPr/>
-        </p:nvSpPr>
-        <p:spPr>
-          <a:xfrm>
-            <a:off x="1407695" y="3284621"/>
-            <a:ext cx="2117558" cy="397042"/>
-          </a:xfrm>
-          <a:prstGeom prst="roundRect">
-            <a:avLst/>
-          </a:prstGeom>
-          <a:solidFill>
-            <a:schemeClr val="accent1">
-              <a:alpha val="49000"/>
-            </a:schemeClr>
-          </a:solidFill>
-        </p:spPr>
-        <p:style>
-          <a:lnRef idx="2">
-            <a:schemeClr val="accent1">
-              <a:shade val="50000"/>
-            </a:schemeClr>
-          </a:lnRef>
-          <a:fillRef idx="1">
-            <a:schemeClr val="accent1"/>
-          </a:fillRef>
-          <a:effectRef idx="0">
-            <a:schemeClr val="accent1"/>
-          </a:effectRef>
-          <a:fontRef idx="minor">
-            <a:schemeClr val="lt1"/>
-          </a:fontRef>
-        </p:style>
-        <p:txBody>
-          <a:bodyPr rtlCol="0" anchor="ctr"/>
-          <a:lstStyle/>
-          <a:p>
-            <a:pPr algn="ctr"/>
-            <a:endParaRPr lang="zh-CN" altLang="en-US"/>
-          </a:p>
-        </p:txBody>
-      </p:sp>
-    </p:spTree>
-    <p:extLst>
-      <p:ext uri="{BB962C8B-B14F-4D97-AF65-F5344CB8AC3E}">
-        <p14:creationId xmlns:p14="http://schemas.microsoft.com/office/powerpoint/2010/main" val="4152582167"/>
-      </p:ext>
-    </p:extLst>
-  </p:cSld>
-  <p:clrMapOvr>
-    <a:masterClrMapping/>
-  </p:clrMapOvr>
-  <p:timing>
-    <p:tnLst>
-      <p:par>
-        <p:cTn id="1" dur="indefinite" restart="never" nodeType="tmRoot">
-          <p:childTnLst>
-            <p:seq concurrent="1" nextAc="seek">
-              <p:cTn id="2" dur="indefinite" nodeType="mainSeq">
-                <p:childTnLst>
-                  <p:par>
-                    <p:cTn id="3" fill="hold">
-                      <p:stCondLst>
-                        <p:cond delay="indefinite"/>
-                      </p:stCondLst>
-                      <p:childTnLst>
-                        <p:par>
-                          <p:cTn id="4" fill="hold">
-                            <p:stCondLst>
-                              <p:cond delay="0"/>
-                            </p:stCondLst>
-                            <p:childTnLst>
-                              <p:par>
-                                <p:cTn id="5" presetID="1" presetClass="entr" presetSubtype="0" fill="hold" grpId="0" nodeType="clickEffect">
-                                  <p:stCondLst>
-                                    <p:cond delay="0"/>
-                                  </p:stCondLst>
-                                  <p:childTnLst>
-                                    <p:set>
-                                      <p:cBhvr>
-                                        <p:cTn id="6" dur="1" fill="hold">
-                                          <p:stCondLst>
-                                            <p:cond delay="0"/>
-                                          </p:stCondLst>
-                                        </p:cTn>
-                                        <p:tgtEl>
-                                          <p:spTgt spid="5"/>
-                                        </p:tgtEl>
-                                        <p:attrNameLst>
-                                          <p:attrName>style.visibility</p:attrName>
-                                        </p:attrNameLst>
-                                      </p:cBhvr>
-                                      <p:to>
-                                        <p:strVal val="visible"/>
-                                      </p:to>
-                                    </p:set>
-                                  </p:childTnLst>
-                                </p:cTn>
-                              </p:par>
-                            </p:childTnLst>
-                          </p:cTn>
-                        </p:par>
-                      </p:childTnLst>
-                    </p:cTn>
-                  </p:par>
-                  <p:par>
-                    <p:cTn id="7" fill="hold">
-                      <p:stCondLst>
-                        <p:cond delay="indefinite"/>
-                      </p:stCondLst>
-                      <p:childTnLst>
-                        <p:par>
-                          <p:cTn id="8" fill="hold">
-                            <p:stCondLst>
-                              <p:cond delay="0"/>
-                            </p:stCondLst>
-                            <p:childTnLst>
-                              <p:par>
-                                <p:cTn id="9" presetID="1" presetClass="entr" presetSubtype="0" fill="hold" nodeType="clickEffect">
-                                  <p:stCondLst>
-                                    <p:cond delay="0"/>
-                                  </p:stCondLst>
-                                  <p:childTnLst>
-                                    <p:set>
-                                      <p:cBhvr>
-                                        <p:cTn id="10" dur="1" fill="hold">
-                                          <p:stCondLst>
-                                            <p:cond delay="0"/>
-                                          </p:stCondLst>
-                                        </p:cTn>
-                                        <p:tgtEl>
-                                          <p:spTgt spid="3">
-                                            <p:txEl>
-                                              <p:pRg st="0" end="0"/>
-                                            </p:txEl>
-                                          </p:spTgt>
-                                        </p:tgtEl>
-                                        <p:attrNameLst>
-                                          <p:attrName>style.visibility</p:attrName>
-                                        </p:attrNameLst>
-                                      </p:cBhvr>
-                                      <p:to>
-                                        <p:strVal val="visible"/>
-                                      </p:to>
-                                    </p:set>
-                                  </p:childTnLst>
-                                </p:cTn>
-                              </p:par>
-                            </p:childTnLst>
-                          </p:cTn>
-                        </p:par>
-                      </p:childTnLst>
-                    </p:cTn>
-                  </p:par>
-                </p:childTnLst>
-              </p:cTn>
-              <p:prevCondLst>
-                <p:cond evt="onPrev" delay="0">
-                  <p:tgtEl>
-                    <p:sldTgt/>
-                  </p:tgtEl>
-                </p:cond>
-              </p:prevCondLst>
-              <p:nextCondLst>
-                <p:cond evt="onNext" delay="0">
-                  <p:tgtEl>
-                    <p:sldTgt/>
-                  </p:tgtEl>
-                </p:cond>
-              </p:nextCondLst>
-            </p:seq>
-          </p:childTnLst>
-        </p:cTn>
-      </p:par>
-    </p:tnLst>
-    <p:bldLst>
-      <p:bldP spid="5" grpId="0" animBg="1"/>
-    </p:bldLst>
-  </p:timing>
-</p:sld>
-</file>
-
-<file path=ppt/slides/slide50.xml><?xml version="1.0" encoding="utf-8"?>
+<file path=ppt/slides/slide51.xml><?xml version="1.0" encoding="utf-8"?>
 <p:sld xmlns:a="http://schemas.openxmlformats.org/drawingml/2006/main" xmlns:r="http://schemas.openxmlformats.org/officeDocument/2006/relationships" xmlns:p="http://schemas.openxmlformats.org/presentationml/2006/main">
   <p:cSld>
     <p:spTree>
@@ -18885,7 +19172,7 @@
 </p:sld>
 </file>
 
-<file path=ppt/slides/slide51.xml><?xml version="1.0" encoding="utf-8"?>
+<file path=ppt/slides/slide52.xml><?xml version="1.0" encoding="utf-8"?>
 <p:sld xmlns:a="http://schemas.openxmlformats.org/drawingml/2006/main" xmlns:r="http://schemas.openxmlformats.org/officeDocument/2006/relationships" xmlns:p="http://schemas.openxmlformats.org/presentationml/2006/main">
   <p:cSld>
     <p:spTree>
@@ -18950,7 +19237,7 @@
 </p:sld>
 </file>
 
-<file path=ppt/slides/slide52.xml><?xml version="1.0" encoding="utf-8"?>
+<file path=ppt/slides/slide53.xml><?xml version="1.0" encoding="utf-8"?>
 <p:sld xmlns:a="http://schemas.openxmlformats.org/drawingml/2006/main" xmlns:r="http://schemas.openxmlformats.org/officeDocument/2006/relationships" xmlns:p="http://schemas.openxmlformats.org/presentationml/2006/main">
   <p:cSld>
     <p:spTree>
@@ -19248,7 +19535,7 @@
 </p:sld>
 </file>
 
-<file path=ppt/slides/slide53.xml><?xml version="1.0" encoding="utf-8"?>
+<file path=ppt/slides/slide54.xml><?xml version="1.0" encoding="utf-8"?>
 <p:sld xmlns:a="http://schemas.openxmlformats.org/drawingml/2006/main" xmlns:r="http://schemas.openxmlformats.org/officeDocument/2006/relationships" xmlns:p="http://schemas.openxmlformats.org/presentationml/2006/main">
   <p:cSld>
     <p:spTree>
@@ -19361,8 +19648,8 @@
         </p:nvSpPr>
         <p:spPr>
           <a:xfrm>
-            <a:off x="1623390" y="3429000"/>
-            <a:ext cx="7888357" cy="1384995"/>
+            <a:off x="1576325" y="3583641"/>
+            <a:ext cx="8078663" cy="1384995"/>
           </a:xfrm>
           <a:prstGeom prst="rect">
             <a:avLst/>
@@ -19420,10 +19707,137 @@
   <p:clrMapOvr>
     <a:masterClrMapping/>
   </p:clrMapOvr>
+  <p:timing>
+    <p:tnLst>
+      <p:par>
+        <p:cTn id="1" dur="indefinite" restart="never" nodeType="tmRoot">
+          <p:childTnLst>
+            <p:seq concurrent="1" nextAc="seek">
+              <p:cTn id="2" dur="indefinite" nodeType="mainSeq">
+                <p:childTnLst>
+                  <p:par>
+                    <p:cTn id="3" fill="hold">
+                      <p:stCondLst>
+                        <p:cond delay="indefinite"/>
+                      </p:stCondLst>
+                      <p:childTnLst>
+                        <p:par>
+                          <p:cTn id="4" fill="hold">
+                            <p:stCondLst>
+                              <p:cond delay="0"/>
+                            </p:stCondLst>
+                            <p:childTnLst>
+                              <p:par>
+                                <p:cTn id="5" presetID="1" presetClass="entr" presetSubtype="0" fill="hold" nodeType="clickEffect">
+                                  <p:stCondLst>
+                                    <p:cond delay="0"/>
+                                  </p:stCondLst>
+                                  <p:childTnLst>
+                                    <p:set>
+                                      <p:cBhvr>
+                                        <p:cTn id="6" dur="1" fill="hold">
+                                          <p:stCondLst>
+                                            <p:cond delay="0"/>
+                                          </p:stCondLst>
+                                        </p:cTn>
+                                        <p:tgtEl>
+                                          <p:spTgt spid="3">
+                                            <p:txEl>
+                                              <p:pRg st="1" end="1"/>
+                                            </p:txEl>
+                                          </p:spTgt>
+                                        </p:tgtEl>
+                                        <p:attrNameLst>
+                                          <p:attrName>style.visibility</p:attrName>
+                                        </p:attrNameLst>
+                                      </p:cBhvr>
+                                      <p:to>
+                                        <p:strVal val="visible"/>
+                                      </p:to>
+                                    </p:set>
+                                  </p:childTnLst>
+                                </p:cTn>
+                              </p:par>
+                            </p:childTnLst>
+                          </p:cTn>
+                        </p:par>
+                      </p:childTnLst>
+                    </p:cTn>
+                  </p:par>
+                  <p:par>
+                    <p:cTn id="7" fill="hold">
+                      <p:stCondLst>
+                        <p:cond delay="indefinite"/>
+                      </p:stCondLst>
+                      <p:childTnLst>
+                        <p:par>
+                          <p:cTn id="8" fill="hold">
+                            <p:stCondLst>
+                              <p:cond delay="0"/>
+                            </p:stCondLst>
+                            <p:childTnLst>
+                              <p:par>
+                                <p:cTn id="9" presetID="1" presetClass="entr" presetSubtype="0" fill="hold" grpId="0" nodeType="clickEffect">
+                                  <p:stCondLst>
+                                    <p:cond delay="0"/>
+                                  </p:stCondLst>
+                                  <p:childTnLst>
+                                    <p:set>
+                                      <p:cBhvr>
+                                        <p:cTn id="10" dur="1" fill="hold">
+                                          <p:stCondLst>
+                                            <p:cond delay="0"/>
+                                          </p:stCondLst>
+                                        </p:cTn>
+                                        <p:tgtEl>
+                                          <p:spTgt spid="4"/>
+                                        </p:tgtEl>
+                                        <p:attrNameLst>
+                                          <p:attrName>style.visibility</p:attrName>
+                                        </p:attrNameLst>
+                                      </p:cBhvr>
+                                      <p:to>
+                                        <p:strVal val="visible"/>
+                                      </p:to>
+                                    </p:set>
+                                  </p:childTnLst>
+                                </p:cTn>
+                              </p:par>
+                            </p:childTnLst>
+                          </p:cTn>
+                        </p:par>
+                      </p:childTnLst>
+                    </p:cTn>
+                  </p:par>
+                </p:childTnLst>
+              </p:cTn>
+              <p:prevCondLst>
+                <p:cond evt="onPrev" delay="0">
+                  <p:tgtEl>
+                    <p:sldTgt/>
+                  </p:tgtEl>
+                </p:cond>
+              </p:prevCondLst>
+              <p:nextCondLst>
+                <p:cond evt="onNext" delay="0">
+                  <p:tgtEl>
+                    <p:sldTgt/>
+                  </p:tgtEl>
+                </p:cond>
+              </p:nextCondLst>
+            </p:seq>
+          </p:childTnLst>
+        </p:cTn>
+      </p:par>
+    </p:tnLst>
+    <p:bldLst>
+      <p:bldP spid="4" grpId="0"/>
+    </p:bldLst>
+  </p:timing>
 </p:sld>
 </file>
 
-<file path=ppt/slides/slide54.xml><?xml version="1.0" encoding="utf-8"?>
+<file path=ppt/slides/slide55.xml><?xml version="1.0" encoding="utf-8"?>
 <p:sld xmlns:a="http://schemas.openxmlformats.org/drawingml/2006/main" xmlns:r="http://schemas.openxmlformats.org/officeDocument/2006/relationships" xmlns:p="http://schemas.openxmlformats.org/presentationml/2006/main">
   <p:cSld>
     <p:spTree>
@@ -19483,7 +19897,7 @@
 </p:sld>
 </file>
 
-<file path=ppt/slides/slide55.xml><?xml version="1.0" encoding="utf-8"?>
+<file path=ppt/slides/slide56.xml><?xml version="1.0" encoding="utf-8"?>
 <p:sld xmlns:a="http://schemas.openxmlformats.org/drawingml/2006/main" xmlns:r="http://schemas.openxmlformats.org/officeDocument/2006/relationships" xmlns:p="http://schemas.openxmlformats.org/presentationml/2006/main">
   <p:cSld>
     <p:spTree>
@@ -19558,8 +19972,8 @@
         </p:blipFill>
         <p:spPr>
           <a:xfrm>
-            <a:off x="1590054" y="1093304"/>
-            <a:ext cx="6010275" cy="1695450"/>
+            <a:off x="1590054" y="1093303"/>
+            <a:ext cx="6492320" cy="1831431"/>
           </a:xfrm>
           <a:prstGeom prst="rect">
             <a:avLst/>
@@ -19684,7 +20098,7 @@
 </p:sld>
 </file>
 
-<file path=ppt/slides/slide56.xml><?xml version="1.0" encoding="utf-8"?>
+<file path=ppt/slides/slide57.xml><?xml version="1.0" encoding="utf-8"?>
 <p:sld xmlns:a="http://schemas.openxmlformats.org/drawingml/2006/main" xmlns:r="http://schemas.openxmlformats.org/officeDocument/2006/relationships" xmlns:p="http://schemas.openxmlformats.org/presentationml/2006/main">
   <p:cSld>
     <p:spTree>
@@ -19907,7 +20321,7 @@
 </p:sld>
 </file>
 
-<file path=ppt/slides/slide57.xml><?xml version="1.0" encoding="utf-8"?>
+<file path=ppt/slides/slide58.xml><?xml version="1.0" encoding="utf-8"?>
 <p:sld xmlns:a="http://schemas.openxmlformats.org/drawingml/2006/main" xmlns:r="http://schemas.openxmlformats.org/officeDocument/2006/relationships" xmlns:p="http://schemas.openxmlformats.org/presentationml/2006/main">
   <p:cSld>
     <p:spTree>
@@ -19972,7 +20386,7 @@
 </p:sld>
 </file>
 
-<file path=ppt/slides/slide58.xml><?xml version="1.0" encoding="utf-8"?>
+<file path=ppt/slides/slide59.xml><?xml version="1.0" encoding="utf-8"?>
 <p:sld xmlns:a="http://schemas.openxmlformats.org/drawingml/2006/main" xmlns:r="http://schemas.openxmlformats.org/officeDocument/2006/relationships" xmlns:p="http://schemas.openxmlformats.org/presentationml/2006/main">
   <p:cSld>
     <p:spTree>
@@ -20045,7 +20459,7 @@
           <a:p>
             <a:r>
               <a:rPr lang="zh-CN" altLang="zh-CN" dirty="0"/>
-              <a:t>以用关键字</a:t>
+              <a:t>关键字</a:t>
             </a:r>
             <a:r>
               <a:rPr lang="en-US" altLang="zh-CN" dirty="0" err="1"/>
@@ -20079,7 +20493,7 @@
             </a:r>
             <a:r>
               <a:rPr lang="zh-CN" altLang="zh-CN" dirty="0"/>
-              <a:t>的数据类型。所谓枚举就是这个枚举类型在定义时就列举出了这个类型所有可能的值，比如这个</a:t>
+              <a:t>的数据类型。这个枚举类型在定义时就列举出了这个类型所有可能的值，比如这个</a:t>
             </a:r>
             <a:r>
               <a:rPr lang="en-US" altLang="zh-CN" dirty="0"/>
@@ -20185,102 +20599,179 @@
   <p:clrMapOvr>
     <a:masterClrMapping/>
   </p:clrMapOvr>
-</p:sld>
-</file>
-
-<file path=ppt/slides/slide59.xml><?xml version="1.0" encoding="utf-8"?>
-<p:sld xmlns:a="http://schemas.openxmlformats.org/drawingml/2006/main" xmlns:r="http://schemas.openxmlformats.org/officeDocument/2006/relationships" xmlns:p="http://schemas.openxmlformats.org/presentationml/2006/main">
-  <p:cSld>
-    <p:spTree>
-      <p:nvGrpSpPr>
-        <p:cNvPr id="1" name=""/>
-        <p:cNvGrpSpPr/>
-        <p:nvPr/>
-      </p:nvGrpSpPr>
-      <p:grpSpPr>
-        <a:xfrm>
-          <a:off x="0" y="0"/>
-          <a:ext cx="0" cy="0"/>
-          <a:chOff x="0" y="0"/>
-          <a:chExt cx="0" cy="0"/>
-        </a:xfrm>
-      </p:grpSpPr>
-      <p:sp>
-        <p:nvSpPr>
-          <p:cNvPr id="3" name="内容占位符 2">
-            <a:extLst>
-              <a:ext uri="{FF2B5EF4-FFF2-40B4-BE49-F238E27FC236}">
-                <a16:creationId xmlns:a16="http://schemas.microsoft.com/office/drawing/2014/main" id="{AAD9C646-33E7-487A-9E35-35C949D12DAC}"/>
-              </a:ext>
-            </a:extLst>
-          </p:cNvPr>
-          <p:cNvSpPr>
-            <a:spLocks noGrp="1"/>
-          </p:cNvSpPr>
-          <p:nvPr>
-            <p:ph idx="1"/>
-          </p:nvPr>
-        </p:nvSpPr>
-        <p:spPr>
-          <a:xfrm>
-            <a:off x="838200" y="537749"/>
-            <a:ext cx="10515600" cy="625129"/>
-          </a:xfrm>
-        </p:spPr>
-        <p:txBody>
-          <a:bodyPr/>
-          <a:lstStyle/>
-          <a:p>
-            <a:r>
-              <a:rPr lang="zh-CN" altLang="zh-CN" dirty="0"/>
-              <a:t>不同枚举类型的值是不能相互比较或赋值的。</a:t>
-            </a:r>
-          </a:p>
-          <a:p>
-            <a:endParaRPr lang="zh-CN" altLang="en-US" dirty="0"/>
-          </a:p>
-        </p:txBody>
-      </p:sp>
-      <p:pic>
-        <p:nvPicPr>
-          <p:cNvPr id="4" name="图片 3">
-            <a:extLst>
-              <a:ext uri="{FF2B5EF4-FFF2-40B4-BE49-F238E27FC236}">
-                <a16:creationId xmlns:a16="http://schemas.microsoft.com/office/drawing/2014/main" id="{2ECF4837-6110-46C6-BFA3-5EF55FAB2E4D}"/>
-              </a:ext>
-            </a:extLst>
-          </p:cNvPr>
-          <p:cNvPicPr>
-            <a:picLocks noChangeAspect="1"/>
-          </p:cNvPicPr>
-          <p:nvPr/>
-        </p:nvPicPr>
-        <p:blipFill>
-          <a:blip r:embed="rId2"/>
-          <a:stretch>
-            <a:fillRect/>
-          </a:stretch>
-        </p:blipFill>
-        <p:spPr>
-          <a:xfrm>
-            <a:off x="1249016" y="1351722"/>
-            <a:ext cx="7094953" cy="4393096"/>
-          </a:xfrm>
-          <a:prstGeom prst="rect">
-            <a:avLst/>
-          </a:prstGeom>
-        </p:spPr>
-      </p:pic>
-    </p:spTree>
-    <p:extLst>
-      <p:ext uri="{BB962C8B-B14F-4D97-AF65-F5344CB8AC3E}">
-        <p14:creationId xmlns:p14="http://schemas.microsoft.com/office/powerpoint/2010/main" val="2379399713"/>
-      </p:ext>
-    </p:extLst>
-  </p:cSld>
-  <p:clrMapOvr>
-    <a:masterClrMapping/>
-  </p:clrMapOvr>
+  <p:timing>
+    <p:tnLst>
+      <p:par>
+        <p:cTn id="1" dur="indefinite" restart="never" nodeType="tmRoot">
+          <p:childTnLst>
+            <p:seq concurrent="1" nextAc="seek">
+              <p:cTn id="2" dur="indefinite" nodeType="mainSeq">
+                <p:childTnLst>
+                  <p:par>
+                    <p:cTn id="3" fill="hold">
+                      <p:stCondLst>
+                        <p:cond delay="indefinite"/>
+                      </p:stCondLst>
+                      <p:childTnLst>
+                        <p:par>
+                          <p:cTn id="4" fill="hold">
+                            <p:stCondLst>
+                              <p:cond delay="0"/>
+                            </p:stCondLst>
+                            <p:childTnLst>
+                              <p:par>
+                                <p:cTn id="5" presetID="1" presetClass="entr" presetSubtype="0" fill="hold" nodeType="clickEffect">
+                                  <p:stCondLst>
+                                    <p:cond delay="0"/>
+                                  </p:stCondLst>
+                                  <p:childTnLst>
+                                    <p:set>
+                                      <p:cBhvr>
+                                        <p:cTn id="6" dur="1" fill="hold">
+                                          <p:stCondLst>
+                                            <p:cond delay="0"/>
+                                          </p:stCondLst>
+                                        </p:cTn>
+                                        <p:tgtEl>
+                                          <p:spTgt spid="3">
+                                            <p:txEl>
+                                              <p:pRg st="2" end="2"/>
+                                            </p:txEl>
+                                          </p:spTgt>
+                                        </p:tgtEl>
+                                        <p:attrNameLst>
+                                          <p:attrName>style.visibility</p:attrName>
+                                        </p:attrNameLst>
+                                      </p:cBhvr>
+                                      <p:to>
+                                        <p:strVal val="visible"/>
+                                      </p:to>
+                                    </p:set>
+                                  </p:childTnLst>
+                                </p:cTn>
+                              </p:par>
+                            </p:childTnLst>
+                          </p:cTn>
+                        </p:par>
+                      </p:childTnLst>
+                    </p:cTn>
+                  </p:par>
+                  <p:par>
+                    <p:cTn id="7" fill="hold">
+                      <p:stCondLst>
+                        <p:cond delay="indefinite"/>
+                      </p:stCondLst>
+                      <p:childTnLst>
+                        <p:par>
+                          <p:cTn id="8" fill="hold">
+                            <p:stCondLst>
+                              <p:cond delay="0"/>
+                            </p:stCondLst>
+                            <p:childTnLst>
+                              <p:par>
+                                <p:cTn id="9" presetID="1" presetClass="entr" presetSubtype="0" fill="hold" nodeType="clickEffect">
+                                  <p:stCondLst>
+                                    <p:cond delay="0"/>
+                                  </p:stCondLst>
+                                  <p:childTnLst>
+                                    <p:set>
+                                      <p:cBhvr>
+                                        <p:cTn id="10" dur="1" fill="hold">
+                                          <p:stCondLst>
+                                            <p:cond delay="0"/>
+                                          </p:stCondLst>
+                                        </p:cTn>
+                                        <p:tgtEl>
+                                          <p:spTgt spid="3">
+                                            <p:txEl>
+                                              <p:pRg st="3" end="3"/>
+                                            </p:txEl>
+                                          </p:spTgt>
+                                        </p:tgtEl>
+                                        <p:attrNameLst>
+                                          <p:attrName>style.visibility</p:attrName>
+                                        </p:attrNameLst>
+                                      </p:cBhvr>
+                                      <p:to>
+                                        <p:strVal val="visible"/>
+                                      </p:to>
+                                    </p:set>
+                                  </p:childTnLst>
+                                </p:cTn>
+                              </p:par>
+                            </p:childTnLst>
+                          </p:cTn>
+                        </p:par>
+                      </p:childTnLst>
+                    </p:cTn>
+                  </p:par>
+                  <p:par>
+                    <p:cTn id="11" fill="hold">
+                      <p:stCondLst>
+                        <p:cond delay="indefinite"/>
+                      </p:stCondLst>
+                      <p:childTnLst>
+                        <p:par>
+                          <p:cTn id="12" fill="hold">
+                            <p:stCondLst>
+                              <p:cond delay="0"/>
+                            </p:stCondLst>
+                            <p:childTnLst>
+                              <p:par>
+                                <p:cTn id="13" presetID="1" presetClass="entr" presetSubtype="0" fill="hold" nodeType="clickEffect">
+                                  <p:stCondLst>
+                                    <p:cond delay="0"/>
+                                  </p:stCondLst>
+                                  <p:childTnLst>
+                                    <p:set>
+                                      <p:cBhvr>
+                                        <p:cTn id="14" dur="1" fill="hold">
+                                          <p:stCondLst>
+                                            <p:cond delay="0"/>
+                                          </p:stCondLst>
+                                        </p:cTn>
+                                        <p:tgtEl>
+                                          <p:spTgt spid="5"/>
+                                        </p:tgtEl>
+                                        <p:attrNameLst>
+                                          <p:attrName>style.visibility</p:attrName>
+                                        </p:attrNameLst>
+                                      </p:cBhvr>
+                                      <p:to>
+                                        <p:strVal val="visible"/>
+                                      </p:to>
+                                    </p:set>
+                                  </p:childTnLst>
+                                </p:cTn>
+                              </p:par>
+                            </p:childTnLst>
+                          </p:cTn>
+                        </p:par>
+                      </p:childTnLst>
+                    </p:cTn>
+                  </p:par>
+                </p:childTnLst>
+              </p:cTn>
+              <p:prevCondLst>
+                <p:cond evt="onPrev" delay="0">
+                  <p:tgtEl>
+                    <p:sldTgt/>
+                  </p:tgtEl>
+                </p:cond>
+              </p:prevCondLst>
+              <p:nextCondLst>
+                <p:cond evt="onNext" delay="0">
+                  <p:tgtEl>
+                    <p:sldTgt/>
+                  </p:tgtEl>
+                </p:cond>
+              </p:nextCondLst>
+            </p:seq>
+          </p:childTnLst>
+        </p:cTn>
+      </p:par>
+    </p:tnLst>
+  </p:timing>
 </p:sld>
 </file>
 
@@ -20939,6 +21430,102 @@
       </p:grpSpPr>
       <p:sp>
         <p:nvSpPr>
+          <p:cNvPr id="3" name="内容占位符 2">
+            <a:extLst>
+              <a:ext uri="{FF2B5EF4-FFF2-40B4-BE49-F238E27FC236}">
+                <a16:creationId xmlns:a16="http://schemas.microsoft.com/office/drawing/2014/main" id="{AAD9C646-33E7-487A-9E35-35C949D12DAC}"/>
+              </a:ext>
+            </a:extLst>
+          </p:cNvPr>
+          <p:cNvSpPr>
+            <a:spLocks noGrp="1"/>
+          </p:cNvSpPr>
+          <p:nvPr>
+            <p:ph idx="1"/>
+          </p:nvPr>
+        </p:nvSpPr>
+        <p:spPr>
+          <a:xfrm>
+            <a:off x="838200" y="537749"/>
+            <a:ext cx="10515600" cy="625129"/>
+          </a:xfrm>
+        </p:spPr>
+        <p:txBody>
+          <a:bodyPr/>
+          <a:lstStyle/>
+          <a:p>
+            <a:r>
+              <a:rPr lang="zh-CN" altLang="zh-CN" dirty="0"/>
+              <a:t>不同枚举类型的值是不能相互比较或赋值的。</a:t>
+            </a:r>
+          </a:p>
+          <a:p>
+            <a:endParaRPr lang="zh-CN" altLang="en-US" dirty="0"/>
+          </a:p>
+        </p:txBody>
+      </p:sp>
+      <p:pic>
+        <p:nvPicPr>
+          <p:cNvPr id="4" name="图片 3">
+            <a:extLst>
+              <a:ext uri="{FF2B5EF4-FFF2-40B4-BE49-F238E27FC236}">
+                <a16:creationId xmlns:a16="http://schemas.microsoft.com/office/drawing/2014/main" id="{2ECF4837-6110-46C6-BFA3-5EF55FAB2E4D}"/>
+              </a:ext>
+            </a:extLst>
+          </p:cNvPr>
+          <p:cNvPicPr>
+            <a:picLocks noChangeAspect="1"/>
+          </p:cNvPicPr>
+          <p:nvPr/>
+        </p:nvPicPr>
+        <p:blipFill>
+          <a:blip r:embed="rId2"/>
+          <a:stretch>
+            <a:fillRect/>
+          </a:stretch>
+        </p:blipFill>
+        <p:spPr>
+          <a:xfrm>
+            <a:off x="1249016" y="1351722"/>
+            <a:ext cx="7094953" cy="4393096"/>
+          </a:xfrm>
+          <a:prstGeom prst="rect">
+            <a:avLst/>
+          </a:prstGeom>
+        </p:spPr>
+      </p:pic>
+    </p:spTree>
+    <p:extLst>
+      <p:ext uri="{BB962C8B-B14F-4D97-AF65-F5344CB8AC3E}">
+        <p14:creationId xmlns:p14="http://schemas.microsoft.com/office/powerpoint/2010/main" val="2379399713"/>
+      </p:ext>
+    </p:extLst>
+  </p:cSld>
+  <p:clrMapOvr>
+    <a:masterClrMapping/>
+  </p:clrMapOvr>
+</p:sld>
+</file>
+
+<file path=ppt/slides/slide61.xml><?xml version="1.0" encoding="utf-8"?>
+<p:sld xmlns:a="http://schemas.openxmlformats.org/drawingml/2006/main" xmlns:r="http://schemas.openxmlformats.org/officeDocument/2006/relationships" xmlns:p="http://schemas.openxmlformats.org/presentationml/2006/main">
+  <p:cSld>
+    <p:spTree>
+      <p:nvGrpSpPr>
+        <p:cNvPr id="1" name=""/>
+        <p:cNvGrpSpPr/>
+        <p:nvPr/>
+      </p:nvGrpSpPr>
+      <p:grpSpPr>
+        <a:xfrm>
+          <a:off x="0" y="0"/>
+          <a:ext cx="0" cy="0"/>
+          <a:chOff x="0" y="0"/>
+          <a:chExt cx="0" cy="0"/>
+        </a:xfrm>
+      </p:grpSpPr>
+      <p:sp>
+        <p:nvSpPr>
           <p:cNvPr id="2" name="标题 1">
             <a:extLst>
               <a:ext uri="{FF2B5EF4-FFF2-40B4-BE49-F238E27FC236}">
@@ -21322,7 +21909,7 @@
 </p:sld>
 </file>
 
-<file path=ppt/slides/slide61.xml><?xml version="1.0" encoding="utf-8"?>
+<file path=ppt/slides/slide62.xml><?xml version="1.0" encoding="utf-8"?>
 <p:sld xmlns:a="http://schemas.openxmlformats.org/drawingml/2006/main" xmlns:r="http://schemas.openxmlformats.org/officeDocument/2006/relationships" xmlns:p="http://schemas.openxmlformats.org/presentationml/2006/main">
   <p:cSld>
     <p:spTree>
@@ -21395,7 +21982,12 @@
             <p:ph idx="1"/>
           </p:nvPr>
         </p:nvSpPr>
-        <p:spPr/>
+        <p:spPr>
+          <a:xfrm>
+            <a:off x="838200" y="1399435"/>
+            <a:ext cx="10515600" cy="4486275"/>
+          </a:xfrm>
+        </p:spPr>
         <p:txBody>
           <a:bodyPr/>
           <a:lstStyle/>
@@ -21441,8 +22033,8 @@
         </p:blipFill>
         <p:spPr bwMode="auto">
           <a:xfrm>
-            <a:off x="1611174" y="2356402"/>
-            <a:ext cx="8810625" cy="5962650"/>
+            <a:off x="2018453" y="2018989"/>
+            <a:ext cx="6610774" cy="4473886"/>
           </a:xfrm>
           <a:prstGeom prst="rect">
             <a:avLst/>
@@ -21495,7 +22087,7 @@
 </p:sld>
 </file>
 
-<file path=ppt/slides/slide62.xml><?xml version="1.0" encoding="utf-8"?>
+<file path=ppt/slides/slide63.xml><?xml version="1.0" encoding="utf-8"?>
 <p:sld xmlns:a="http://schemas.openxmlformats.org/drawingml/2006/main" xmlns:r="http://schemas.openxmlformats.org/officeDocument/2006/relationships" xmlns:p="http://schemas.openxmlformats.org/presentationml/2006/main">
   <p:cSld>
     <p:spTree>
@@ -21595,7 +22187,7 @@
 </p:sld>
 </file>
 
-<file path=ppt/slides/slide63.xml><?xml version="1.0" encoding="utf-8"?>
+<file path=ppt/slides/slide64.xml><?xml version="1.0" encoding="utf-8"?>
 <p:sld xmlns:a="http://schemas.openxmlformats.org/drawingml/2006/main" xmlns:r="http://schemas.openxmlformats.org/officeDocument/2006/relationships" xmlns:p="http://schemas.openxmlformats.org/presentationml/2006/main">
   <p:cSld>
     <p:spTree>
@@ -21774,7 +22366,7 @@
 </p:sld>
 </file>
 
-<file path=ppt/slides/slide64.xml><?xml version="1.0" encoding="utf-8"?>
+<file path=ppt/slides/slide65.xml><?xml version="1.0" encoding="utf-8"?>
 <p:sld xmlns:a="http://schemas.openxmlformats.org/drawingml/2006/main" xmlns:r="http://schemas.openxmlformats.org/officeDocument/2006/relationships" xmlns:p="http://schemas.openxmlformats.org/presentationml/2006/main">
   <p:cSld>
     <p:spTree>
@@ -21881,7 +22473,7 @@
 </p:sld>
 </file>
 
-<file path=ppt/slides/slide65.xml><?xml version="1.0" encoding="utf-8"?>
+<file path=ppt/slides/slide66.xml><?xml version="1.0" encoding="utf-8"?>
 <p:sld xmlns:a="http://schemas.openxmlformats.org/drawingml/2006/main" xmlns:r="http://schemas.openxmlformats.org/officeDocument/2006/relationships" xmlns:p="http://schemas.openxmlformats.org/presentationml/2006/main">
   <p:cSld>
     <p:spTree>
@@ -22059,7 +22651,7 @@
 </p:sld>
 </file>
 
-<file path=ppt/slides/slide66.xml><?xml version="1.0" encoding="utf-8"?>
+<file path=ppt/slides/slide67.xml><?xml version="1.0" encoding="utf-8"?>
 <p:sld xmlns:a="http://schemas.openxmlformats.org/drawingml/2006/main" xmlns:r="http://schemas.openxmlformats.org/officeDocument/2006/relationships" xmlns:p="http://schemas.openxmlformats.org/presentationml/2006/main">
   <p:cSld>
     <p:spTree>
@@ -22243,7 +22835,7 @@
 </p:sld>
 </file>
 
-<file path=ppt/slides/slide67.xml><?xml version="1.0" encoding="utf-8"?>
+<file path=ppt/slides/slide68.xml><?xml version="1.0" encoding="utf-8"?>
 <p:sld xmlns:a="http://schemas.openxmlformats.org/drawingml/2006/main" xmlns:r="http://schemas.openxmlformats.org/officeDocument/2006/relationships" xmlns:p="http://schemas.openxmlformats.org/presentationml/2006/main">
   <p:cSld>
     <p:spTree>
@@ -22362,10 +22954,138 @@
   <p:clrMapOvr>
     <a:masterClrMapping/>
   </p:clrMapOvr>
+  <p:timing>
+    <p:tnLst>
+      <p:par>
+        <p:cTn id="1" dur="indefinite" restart="never" nodeType="tmRoot">
+          <p:childTnLst>
+            <p:seq concurrent="1" nextAc="seek">
+              <p:cTn id="2" dur="indefinite" nodeType="mainSeq">
+                <p:childTnLst>
+                  <p:par>
+                    <p:cTn id="3" fill="hold">
+                      <p:stCondLst>
+                        <p:cond delay="indefinite"/>
+                      </p:stCondLst>
+                      <p:childTnLst>
+                        <p:par>
+                          <p:cTn id="4" fill="hold">
+                            <p:stCondLst>
+                              <p:cond delay="0"/>
+                            </p:stCondLst>
+                            <p:childTnLst>
+                              <p:par>
+                                <p:cTn id="5" presetID="1" presetClass="entr" presetSubtype="0" fill="hold" nodeType="clickEffect">
+                                  <p:stCondLst>
+                                    <p:cond delay="0"/>
+                                  </p:stCondLst>
+                                  <p:childTnLst>
+                                    <p:set>
+                                      <p:cBhvr>
+                                        <p:cTn id="6" dur="1" fill="hold">
+                                          <p:stCondLst>
+                                            <p:cond delay="0"/>
+                                          </p:stCondLst>
+                                        </p:cTn>
+                                        <p:tgtEl>
+                                          <p:spTgt spid="3">
+                                            <p:txEl>
+                                              <p:pRg st="1" end="1"/>
+                                            </p:txEl>
+                                          </p:spTgt>
+                                        </p:tgtEl>
+                                        <p:attrNameLst>
+                                          <p:attrName>style.visibility</p:attrName>
+                                        </p:attrNameLst>
+                                      </p:cBhvr>
+                                      <p:to>
+                                        <p:strVal val="visible"/>
+                                      </p:to>
+                                    </p:set>
+                                  </p:childTnLst>
+                                </p:cTn>
+                              </p:par>
+                            </p:childTnLst>
+                          </p:cTn>
+                        </p:par>
+                      </p:childTnLst>
+                    </p:cTn>
+                  </p:par>
+                  <p:par>
+                    <p:cTn id="7" fill="hold">
+                      <p:stCondLst>
+                        <p:cond delay="indefinite"/>
+                      </p:stCondLst>
+                      <p:childTnLst>
+                        <p:par>
+                          <p:cTn id="8" fill="hold">
+                            <p:stCondLst>
+                              <p:cond delay="0"/>
+                            </p:stCondLst>
+                            <p:childTnLst>
+                              <p:par>
+                                <p:cTn id="9" presetID="1" presetClass="entr" presetSubtype="0" fill="hold" nodeType="clickEffect">
+                                  <p:stCondLst>
+                                    <p:cond delay="0"/>
+                                  </p:stCondLst>
+                                  <p:childTnLst>
+                                    <p:set>
+                                      <p:cBhvr>
+                                        <p:cTn id="10" dur="1" fill="hold">
+                                          <p:stCondLst>
+                                            <p:cond delay="0"/>
+                                          </p:stCondLst>
+                                        </p:cTn>
+                                        <p:tgtEl>
+                                          <p:spTgt spid="3">
+                                            <p:txEl>
+                                              <p:pRg st="2" end="2"/>
+                                            </p:txEl>
+                                          </p:spTgt>
+                                        </p:tgtEl>
+                                        <p:attrNameLst>
+                                          <p:attrName>style.visibility</p:attrName>
+                                        </p:attrNameLst>
+                                      </p:cBhvr>
+                                      <p:to>
+                                        <p:strVal val="visible"/>
+                                      </p:to>
+                                    </p:set>
+                                  </p:childTnLst>
+                                </p:cTn>
+                              </p:par>
+                            </p:childTnLst>
+                          </p:cTn>
+                        </p:par>
+                      </p:childTnLst>
+                    </p:cTn>
+                  </p:par>
+                </p:childTnLst>
+              </p:cTn>
+              <p:prevCondLst>
+                <p:cond evt="onPrev" delay="0">
+                  <p:tgtEl>
+                    <p:sldTgt/>
+                  </p:tgtEl>
+                </p:cond>
+              </p:prevCondLst>
+              <p:nextCondLst>
+                <p:cond evt="onNext" delay="0">
+                  <p:tgtEl>
+                    <p:sldTgt/>
+                  </p:tgtEl>
+                </p:cond>
+              </p:nextCondLst>
+            </p:seq>
+          </p:childTnLst>
+        </p:cTn>
+      </p:par>
+    </p:tnLst>
+  </p:timing>
 </p:sld>
 </file>
 
-<file path=ppt/slides/slide68.xml><?xml version="1.0" encoding="utf-8"?>
+<file path=ppt/slides/slide69.xml><?xml version="1.0" encoding="utf-8"?>
 <p:sld xmlns:a="http://schemas.openxmlformats.org/drawingml/2006/main" xmlns:r="http://schemas.openxmlformats.org/officeDocument/2006/relationships" xmlns:p="http://schemas.openxmlformats.org/presentationml/2006/main">
   <p:cSld>
     <p:spTree>
@@ -22425,7 +23145,104 @@
 </p:sld>
 </file>
 
-<file path=ppt/slides/slide69.xml><?xml version="1.0" encoding="utf-8"?>
+<file path=ppt/slides/slide7.xml><?xml version="1.0" encoding="utf-8"?>
+<p:sld xmlns:a="http://schemas.openxmlformats.org/drawingml/2006/main" xmlns:r="http://schemas.openxmlformats.org/officeDocument/2006/relationships" xmlns:p="http://schemas.openxmlformats.org/presentationml/2006/main">
+  <p:cSld>
+    <p:spTree>
+      <p:nvGrpSpPr>
+        <p:cNvPr id="1" name=""/>
+        <p:cNvGrpSpPr/>
+        <p:nvPr/>
+      </p:nvGrpSpPr>
+      <p:grpSpPr>
+        <a:xfrm>
+          <a:off x="0" y="0"/>
+          <a:ext cx="0" cy="0"/>
+          <a:chOff x="0" y="0"/>
+          <a:chExt cx="0" cy="0"/>
+        </a:xfrm>
+      </p:grpSpPr>
+      <p:sp>
+        <p:nvSpPr>
+          <p:cNvPr id="3" name="内容占位符 2">
+            <a:extLst>
+              <a:ext uri="{FF2B5EF4-FFF2-40B4-BE49-F238E27FC236}">
+                <a16:creationId xmlns:a16="http://schemas.microsoft.com/office/drawing/2014/main" id="{C4472B41-296E-4F17-A06A-C9ABA70BB01A}"/>
+              </a:ext>
+            </a:extLst>
+          </p:cNvPr>
+          <p:cNvSpPr>
+            <a:spLocks noGrp="1"/>
+          </p:cNvSpPr>
+          <p:nvPr>
+            <p:ph idx="1"/>
+          </p:nvPr>
+        </p:nvSpPr>
+        <p:spPr>
+          <a:xfrm>
+            <a:off x="838200" y="703551"/>
+            <a:ext cx="10515600" cy="1374631"/>
+          </a:xfrm>
+        </p:spPr>
+        <p:txBody>
+          <a:bodyPr/>
+          <a:lstStyle/>
+          <a:p>
+            <a:r>
+              <a:rPr lang="zh-CN" altLang="zh-CN" dirty="0"/>
+              <a:t>同一类型的多个变量可以在一个语句中定义，只要用逗号隔开这些变量的定义就可以了</a:t>
+            </a:r>
+            <a:r>
+              <a:rPr lang="zh-CN" altLang="en-US" dirty="0"/>
+              <a:t>。</a:t>
+            </a:r>
+          </a:p>
+        </p:txBody>
+      </p:sp>
+      <p:pic>
+        <p:nvPicPr>
+          <p:cNvPr id="4" name="图片 3">
+            <a:extLst>
+              <a:ext uri="{FF2B5EF4-FFF2-40B4-BE49-F238E27FC236}">
+                <a16:creationId xmlns:a16="http://schemas.microsoft.com/office/drawing/2014/main" id="{DBC16397-41DB-4B28-BE70-6EA1FAF27A02}"/>
+              </a:ext>
+            </a:extLst>
+          </p:cNvPr>
+          <p:cNvPicPr>
+            <a:picLocks noChangeAspect="1"/>
+          </p:cNvPicPr>
+          <p:nvPr/>
+        </p:nvPicPr>
+        <p:blipFill>
+          <a:blip r:embed="rId2"/>
+          <a:stretch>
+            <a:fillRect/>
+          </a:stretch>
+        </p:blipFill>
+        <p:spPr>
+          <a:xfrm>
+            <a:off x="1276783" y="2078182"/>
+            <a:ext cx="7477125" cy="2847975"/>
+          </a:xfrm>
+          <a:prstGeom prst="rect">
+            <a:avLst/>
+          </a:prstGeom>
+        </p:spPr>
+      </p:pic>
+    </p:spTree>
+    <p:extLst>
+      <p:ext uri="{BB962C8B-B14F-4D97-AF65-F5344CB8AC3E}">
+        <p14:creationId xmlns:p14="http://schemas.microsoft.com/office/powerpoint/2010/main" val="2624668512"/>
+      </p:ext>
+    </p:extLst>
+  </p:cSld>
+  <p:clrMapOvr>
+    <a:masterClrMapping/>
+  </p:clrMapOvr>
+</p:sld>
+</file>
+
+<file path=ppt/slides/slide70.xml><?xml version="1.0" encoding="utf-8"?>
 <p:sld xmlns:a="http://schemas.openxmlformats.org/drawingml/2006/main" xmlns:r="http://schemas.openxmlformats.org/officeDocument/2006/relationships" xmlns:p="http://schemas.openxmlformats.org/presentationml/2006/main">
   <p:cSld>
     <p:spTree>
@@ -22545,104 +23362,7 @@
 </p:sld>
 </file>
 
-<file path=ppt/slides/slide7.xml><?xml version="1.0" encoding="utf-8"?>
-<p:sld xmlns:a="http://schemas.openxmlformats.org/drawingml/2006/main" xmlns:r="http://schemas.openxmlformats.org/officeDocument/2006/relationships" xmlns:p="http://schemas.openxmlformats.org/presentationml/2006/main">
-  <p:cSld>
-    <p:spTree>
-      <p:nvGrpSpPr>
-        <p:cNvPr id="1" name=""/>
-        <p:cNvGrpSpPr/>
-        <p:nvPr/>
-      </p:nvGrpSpPr>
-      <p:grpSpPr>
-        <a:xfrm>
-          <a:off x="0" y="0"/>
-          <a:ext cx="0" cy="0"/>
-          <a:chOff x="0" y="0"/>
-          <a:chExt cx="0" cy="0"/>
-        </a:xfrm>
-      </p:grpSpPr>
-      <p:sp>
-        <p:nvSpPr>
-          <p:cNvPr id="3" name="内容占位符 2">
-            <a:extLst>
-              <a:ext uri="{FF2B5EF4-FFF2-40B4-BE49-F238E27FC236}">
-                <a16:creationId xmlns:a16="http://schemas.microsoft.com/office/drawing/2014/main" id="{C4472B41-296E-4F17-A06A-C9ABA70BB01A}"/>
-              </a:ext>
-            </a:extLst>
-          </p:cNvPr>
-          <p:cNvSpPr>
-            <a:spLocks noGrp="1"/>
-          </p:cNvSpPr>
-          <p:nvPr>
-            <p:ph idx="1"/>
-          </p:nvPr>
-        </p:nvSpPr>
-        <p:spPr>
-          <a:xfrm>
-            <a:off x="838200" y="703551"/>
-            <a:ext cx="10515600" cy="1374631"/>
-          </a:xfrm>
-        </p:spPr>
-        <p:txBody>
-          <a:bodyPr/>
-          <a:lstStyle/>
-          <a:p>
-            <a:r>
-              <a:rPr lang="zh-CN" altLang="zh-CN" dirty="0"/>
-              <a:t>同一类型的多个变量可以在一个语句中定义，只要用逗号隔开这些变量的定义就可以了</a:t>
-            </a:r>
-            <a:r>
-              <a:rPr lang="zh-CN" altLang="en-US" dirty="0"/>
-              <a:t>。</a:t>
-            </a:r>
-          </a:p>
-        </p:txBody>
-      </p:sp>
-      <p:pic>
-        <p:nvPicPr>
-          <p:cNvPr id="4" name="图片 3">
-            <a:extLst>
-              <a:ext uri="{FF2B5EF4-FFF2-40B4-BE49-F238E27FC236}">
-                <a16:creationId xmlns:a16="http://schemas.microsoft.com/office/drawing/2014/main" id="{DBC16397-41DB-4B28-BE70-6EA1FAF27A02}"/>
-              </a:ext>
-            </a:extLst>
-          </p:cNvPr>
-          <p:cNvPicPr>
-            <a:picLocks noChangeAspect="1"/>
-          </p:cNvPicPr>
-          <p:nvPr/>
-        </p:nvPicPr>
-        <p:blipFill>
-          <a:blip r:embed="rId2"/>
-          <a:stretch>
-            <a:fillRect/>
-          </a:stretch>
-        </p:blipFill>
-        <p:spPr>
-          <a:xfrm>
-            <a:off x="1276783" y="2078182"/>
-            <a:ext cx="7477125" cy="2847975"/>
-          </a:xfrm>
-          <a:prstGeom prst="rect">
-            <a:avLst/>
-          </a:prstGeom>
-        </p:spPr>
-      </p:pic>
-    </p:spTree>
-    <p:extLst>
-      <p:ext uri="{BB962C8B-B14F-4D97-AF65-F5344CB8AC3E}">
-        <p14:creationId xmlns:p14="http://schemas.microsoft.com/office/powerpoint/2010/main" val="2624668512"/>
-      </p:ext>
-    </p:extLst>
-  </p:cSld>
-  <p:clrMapOvr>
-    <a:masterClrMapping/>
-  </p:clrMapOvr>
-</p:sld>
-</file>
-
-<file path=ppt/slides/slide70.xml><?xml version="1.0" encoding="utf-8"?>
+<file path=ppt/slides/slide71.xml><?xml version="1.0" encoding="utf-8"?>
 <p:sld xmlns:a="http://schemas.openxmlformats.org/drawingml/2006/main" xmlns:r="http://schemas.openxmlformats.org/officeDocument/2006/relationships" xmlns:p="http://schemas.openxmlformats.org/presentationml/2006/main">
   <p:cSld>
     <p:spTree>
@@ -22775,7 +23495,7 @@
 </p:sld>
 </file>
 
-<file path=ppt/slides/slide71.xml><?xml version="1.0" encoding="utf-8"?>
+<file path=ppt/slides/slide72.xml><?xml version="1.0" encoding="utf-8"?>
 <p:sld xmlns:a="http://schemas.openxmlformats.org/drawingml/2006/main" xmlns:r="http://schemas.openxmlformats.org/officeDocument/2006/relationships" xmlns:p="http://schemas.openxmlformats.org/presentationml/2006/main">
   <p:cSld>
     <p:spTree>
@@ -22835,7 +23555,7 @@
 </p:sld>
 </file>
 
-<file path=ppt/slides/slide72.xml><?xml version="1.0" encoding="utf-8"?>
+<file path=ppt/slides/slide73.xml><?xml version="1.0" encoding="utf-8"?>
 <p:sld xmlns:a="http://schemas.openxmlformats.org/drawingml/2006/main" xmlns:r="http://schemas.openxmlformats.org/officeDocument/2006/relationships" xmlns:p="http://schemas.openxmlformats.org/presentationml/2006/main">
   <p:cSld>
     <p:spTree>
@@ -22940,14 +23660,22 @@
               <a:buNone/>
             </a:pPr>
             <a:r>
+              <a:rPr lang="en-US" altLang="zh-CN" dirty="0"/>
+              <a:t>Twitter</a:t>
+            </a:r>
+            <a:r>
               <a:rPr lang="zh-CN" altLang="en-US" dirty="0"/>
-              <a:t>博客：</a:t>
+              <a:t>推特</a:t>
+            </a:r>
+            <a:r>
+              <a:rPr lang="en-US" altLang="zh-CN" dirty="0"/>
+              <a:t>: </a:t>
             </a:r>
             <a:r>
               <a:rPr lang="en-US" altLang="zh-CN" dirty="0">
                 <a:hlinkClick r:id="rId3"/>
               </a:rPr>
-              <a:t>https://hwdong-net.github.io</a:t>
+              <a:t>https://twitter.com/hwdong </a:t>
             </a:r>
             <a:endParaRPr lang="en-US" altLang="zh-CN" dirty="0"/>
           </a:p>
@@ -22960,23 +23688,20 @@
             </a:pPr>
             <a:r>
               <a:rPr lang="en-US" altLang="zh-CN" dirty="0"/>
-              <a:t>Twitter</a:t>
+              <a:t>B</a:t>
             </a:r>
             <a:r>
               <a:rPr lang="zh-CN" altLang="en-US" dirty="0"/>
-              <a:t>推特</a:t>
+              <a:t>站或微博：</a:t>
+            </a:r>
+            <a:r>
+              <a:rPr lang="en-US" altLang="zh-CN" dirty="0" err="1"/>
+              <a:t>hw</a:t>
             </a:r>
             <a:r>
               <a:rPr lang="en-US" altLang="zh-CN" dirty="0"/>
-              <a:t>: </a:t>
-            </a:r>
-            <a:r>
-              <a:rPr lang="en-US" altLang="zh-CN" dirty="0">
-                <a:hlinkClick r:id="rId4"/>
-              </a:rPr>
-              <a:t>https://twitter.com/hwdong </a:t>
-            </a:r>
-            <a:endParaRPr lang="en-US" altLang="zh-CN" dirty="0"/>
+              <a:t>-dong</a:t>
+            </a:r>
           </a:p>
           <a:p>
             <a:pPr marL="0" indent="0" algn="ctr">
@@ -22986,21 +23711,16 @@
               <a:buNone/>
             </a:pPr>
             <a:r>
-              <a:rPr lang="en-US" altLang="zh-CN" dirty="0"/>
-              <a:t>B</a:t>
-            </a:r>
-            <a:r>
               <a:rPr lang="zh-CN" altLang="en-US" dirty="0"/>
-              <a:t>站：</a:t>
-            </a:r>
-            <a:r>
-              <a:rPr lang="en-US" altLang="zh-CN" dirty="0" err="1"/>
-              <a:t>hw</a:t>
-            </a:r>
-            <a:r>
-              <a:rPr lang="en-US" altLang="zh-CN" dirty="0"/>
-              <a:t>-dong</a:t>
-            </a:r>
+              <a:t>博客：</a:t>
+            </a:r>
+            <a:r>
+              <a:rPr lang="en-US" altLang="zh-CN" dirty="0">
+                <a:hlinkClick r:id="rId4"/>
+              </a:rPr>
+              <a:t>https://hwdong-net.github.io</a:t>
+            </a:r>
+            <a:endParaRPr lang="en-US" altLang="zh-CN" dirty="0"/>
           </a:p>
           <a:p>
             <a:pPr marL="0" indent="0" algn="ctr">
